--- a/20231201_class/클래스 개념.ver3.pptx
+++ b/20231201_class/클래스 개념.ver3.pptx
@@ -5,7 +5,7 @@
     <p:sldMasterId id="2147483648" r:id="rId1"/>
   </p:sldMasterIdLst>
   <p:notesMasterIdLst>
-    <p:notesMasterId r:id="rId16"/>
+    <p:notesMasterId r:id="rId17"/>
   </p:notesMasterIdLst>
   <p:sldIdLst>
     <p:sldId id="256" r:id="rId2"/>
@@ -14,14 +14,15 @@
     <p:sldId id="392" r:id="rId5"/>
     <p:sldId id="391" r:id="rId6"/>
     <p:sldId id="381" r:id="rId7"/>
-    <p:sldId id="382" r:id="rId8"/>
-    <p:sldId id="384" r:id="rId9"/>
-    <p:sldId id="388" r:id="rId10"/>
-    <p:sldId id="385" r:id="rId11"/>
-    <p:sldId id="389" r:id="rId12"/>
-    <p:sldId id="390" r:id="rId13"/>
-    <p:sldId id="263" r:id="rId14"/>
-    <p:sldId id="387" r:id="rId15"/>
+    <p:sldId id="393" r:id="rId8"/>
+    <p:sldId id="382" r:id="rId9"/>
+    <p:sldId id="384" r:id="rId10"/>
+    <p:sldId id="388" r:id="rId11"/>
+    <p:sldId id="385" r:id="rId12"/>
+    <p:sldId id="389" r:id="rId13"/>
+    <p:sldId id="390" r:id="rId14"/>
+    <p:sldId id="263" r:id="rId15"/>
+    <p:sldId id="387" r:id="rId16"/>
   </p:sldIdLst>
   <p:sldSz cx="12192000" cy="6858000"/>
   <p:notesSz cx="6858000" cy="9144000"/>
@@ -3944,6 +3945,712 @@
         <p:grpSpPr>
           <a:xfrm>
             <a:off x="-485731" y="275023"/>
+            <a:ext cx="3778401" cy="1212536"/>
+            <a:chOff x="-485731" y="275023"/>
+            <a:chExt cx="3778401" cy="1212536"/>
+          </a:xfrm>
+        </p:grpSpPr>
+        <p:grpSp>
+          <p:nvGrpSpPr>
+            <p:cNvPr id="13" name="그룹 12">
+              <a:extLst>
+                <a:ext uri="{FF2B5EF4-FFF2-40B4-BE49-F238E27FC236}">
+                  <a16:creationId xmlns:a16="http://schemas.microsoft.com/office/drawing/2014/main" id="{9DF9047E-E396-0935-9A72-F1B0CFD7107C}"/>
+                </a:ext>
+              </a:extLst>
+            </p:cNvPr>
+            <p:cNvGrpSpPr/>
+            <p:nvPr/>
+          </p:nvGrpSpPr>
+          <p:grpSpPr>
+            <a:xfrm>
+              <a:off x="-485731" y="275023"/>
+              <a:ext cx="2451917" cy="1212536"/>
+              <a:chOff x="4783089" y="2609052"/>
+              <a:chExt cx="2451917" cy="1212536"/>
+            </a:xfrm>
+          </p:grpSpPr>
+          <p:sp>
+            <p:nvSpPr>
+              <p:cNvPr id="2" name="TextBox 1">
+                <a:extLst>
+                  <a:ext uri="{FF2B5EF4-FFF2-40B4-BE49-F238E27FC236}">
+                    <a16:creationId xmlns:a16="http://schemas.microsoft.com/office/drawing/2014/main" id="{232CA580-1715-7C1F-A40C-E7EB331ACC70}"/>
+                  </a:ext>
+                </a:extLst>
+              </p:cNvPr>
+              <p:cNvSpPr txBox="1"/>
+              <p:nvPr/>
+            </p:nvSpPr>
+            <p:spPr>
+              <a:xfrm>
+                <a:off x="5474263" y="2712309"/>
+                <a:ext cx="1069573" cy="523220"/>
+              </a:xfrm>
+              <a:prstGeom prst="rect">
+                <a:avLst/>
+              </a:prstGeom>
+              <a:noFill/>
+            </p:spPr>
+            <p:txBody>
+              <a:bodyPr wrap="square" rtlCol="0">
+                <a:spAutoFit/>
+              </a:bodyPr>
+              <a:lstStyle/>
+              <a:p>
+                <a:pPr algn="ctr"/>
+                <a:r>
+                  <a:rPr lang="en-US" altLang="ko-KR" sz="2800" dirty="0">
+                    <a:latin typeface="Monospac821 BT" panose="020B0609020202020204" pitchFamily="49" charset="0"/>
+                  </a:rPr>
+                  <a:t>04</a:t>
+                </a:r>
+                <a:endParaRPr lang="ko-KR" altLang="en-US" sz="2800" dirty="0">
+                  <a:latin typeface="Monospac821 BT" panose="020B0609020202020204" pitchFamily="49" charset="0"/>
+                </a:endParaRPr>
+              </a:p>
+            </p:txBody>
+          </p:sp>
+          <p:sp>
+            <p:nvSpPr>
+              <p:cNvPr id="9" name="직사각형 8">
+                <a:extLst>
+                  <a:ext uri="{FF2B5EF4-FFF2-40B4-BE49-F238E27FC236}">
+                    <a16:creationId xmlns:a16="http://schemas.microsoft.com/office/drawing/2014/main" id="{3CAC909A-96A8-2E03-F966-4871839B827C}"/>
+                  </a:ext>
+                </a:extLst>
+              </p:cNvPr>
+              <p:cNvSpPr/>
+              <p:nvPr/>
+            </p:nvSpPr>
+            <p:spPr>
+              <a:xfrm>
+                <a:off x="5639477" y="2609052"/>
+                <a:ext cx="739142" cy="90788"/>
+              </a:xfrm>
+              <a:prstGeom prst="rect">
+                <a:avLst/>
+              </a:prstGeom>
+              <a:ln>
+                <a:solidFill>
+                  <a:srgbClr val="ED7D31"/>
+                </a:solidFill>
+              </a:ln>
+            </p:spPr>
+            <p:style>
+              <a:lnRef idx="2">
+                <a:schemeClr val="accent2">
+                  <a:shade val="50000"/>
+                </a:schemeClr>
+              </a:lnRef>
+              <a:fillRef idx="1">
+                <a:schemeClr val="accent2"/>
+              </a:fillRef>
+              <a:effectRef idx="0">
+                <a:schemeClr val="accent2"/>
+              </a:effectRef>
+              <a:fontRef idx="minor">
+                <a:schemeClr val="lt1"/>
+              </a:fontRef>
+            </p:style>
+            <p:txBody>
+              <a:bodyPr rtlCol="0" anchor="ctr"/>
+              <a:lstStyle/>
+              <a:p>
+                <a:pPr algn="ctr"/>
+                <a:endParaRPr lang="ko-KR" altLang="en-US"/>
+              </a:p>
+            </p:txBody>
+          </p:sp>
+          <p:sp>
+            <p:nvSpPr>
+              <p:cNvPr id="10" name="TextBox 9">
+                <a:extLst>
+                  <a:ext uri="{FF2B5EF4-FFF2-40B4-BE49-F238E27FC236}">
+                    <a16:creationId xmlns:a16="http://schemas.microsoft.com/office/drawing/2014/main" id="{9EA883A0-AB29-04E6-FD8A-1AD54C697935}"/>
+                  </a:ext>
+                </a:extLst>
+              </p:cNvPr>
+              <p:cNvSpPr txBox="1"/>
+              <p:nvPr/>
+            </p:nvSpPr>
+            <p:spPr>
+              <a:xfrm>
+                <a:off x="4783089" y="3483034"/>
+                <a:ext cx="2451917" cy="338554"/>
+              </a:xfrm>
+              <a:prstGeom prst="rect">
+                <a:avLst/>
+              </a:prstGeom>
+              <a:noFill/>
+            </p:spPr>
+            <p:txBody>
+              <a:bodyPr wrap="square" rtlCol="0">
+                <a:spAutoFit/>
+              </a:bodyPr>
+              <a:lstStyle/>
+              <a:p>
+                <a:pPr algn="ctr"/>
+                <a:endParaRPr lang="ko-KR" altLang="en-US" sz="1600" dirty="0">
+                  <a:latin typeface="휴먼둥근헤드라인" panose="02030504000101010101" pitchFamily="18" charset="-127"/>
+                  <a:ea typeface="휴먼둥근헤드라인" panose="02030504000101010101" pitchFamily="18" charset="-127"/>
+                </a:endParaRPr>
+              </a:p>
+            </p:txBody>
+          </p:sp>
+        </p:grpSp>
+        <p:sp>
+          <p:nvSpPr>
+            <p:cNvPr id="3" name="TextBox 2">
+              <a:extLst>
+                <a:ext uri="{FF2B5EF4-FFF2-40B4-BE49-F238E27FC236}">
+                  <a16:creationId xmlns:a16="http://schemas.microsoft.com/office/drawing/2014/main" id="{71A9A1B7-E3DA-44D0-82AC-C0E58A9C2760}"/>
+                </a:ext>
+              </a:extLst>
+            </p:cNvPr>
+            <p:cNvSpPr txBox="1"/>
+            <p:nvPr/>
+          </p:nvSpPr>
+          <p:spPr>
+            <a:xfrm>
+              <a:off x="639702" y="482084"/>
+              <a:ext cx="2652968" cy="338554"/>
+            </a:xfrm>
+            <a:prstGeom prst="rect">
+              <a:avLst/>
+            </a:prstGeom>
+            <a:noFill/>
+          </p:spPr>
+          <p:txBody>
+            <a:bodyPr wrap="square" rtlCol="0">
+              <a:spAutoFit/>
+            </a:bodyPr>
+            <a:lstStyle/>
+            <a:p>
+              <a:pPr algn="ctr"/>
+              <a:r>
+                <a:rPr lang="en-US" altLang="ko-KR" sz="1600" dirty="0">
+                  <a:latin typeface="휴먼둥근헤드라인" panose="02030504000101010101" pitchFamily="18" charset="-127"/>
+                  <a:ea typeface="휴먼둥근헤드라인" panose="02030504000101010101" pitchFamily="18" charset="-127"/>
+                </a:rPr>
+                <a:t>Abstraction</a:t>
+              </a:r>
+              <a:endParaRPr lang="ko-KR" altLang="en-US" sz="1600" dirty="0">
+                <a:latin typeface="휴먼둥근헤드라인" panose="02030504000101010101" pitchFamily="18" charset="-127"/>
+                <a:ea typeface="휴먼둥근헤드라인" panose="02030504000101010101" pitchFamily="18" charset="-127"/>
+              </a:endParaRPr>
+            </a:p>
+          </p:txBody>
+        </p:sp>
+      </p:grpSp>
+      <p:grpSp>
+        <p:nvGrpSpPr>
+          <p:cNvPr id="16" name="그룹 15">
+            <a:extLst>
+              <a:ext uri="{FF2B5EF4-FFF2-40B4-BE49-F238E27FC236}">
+                <a16:creationId xmlns:a16="http://schemas.microsoft.com/office/drawing/2014/main" id="{6F23DE32-A4EA-F9B6-72CB-C90520FD20CA}"/>
+              </a:ext>
+            </a:extLst>
+          </p:cNvPr>
+          <p:cNvGrpSpPr/>
+          <p:nvPr/>
+        </p:nvGrpSpPr>
+        <p:grpSpPr>
+          <a:xfrm>
+            <a:off x="539501" y="3592836"/>
+            <a:ext cx="11010625" cy="1010835"/>
+            <a:chOff x="1217628" y="-1264499"/>
+            <a:chExt cx="11010625" cy="1010835"/>
+          </a:xfrm>
+        </p:grpSpPr>
+        <p:sp>
+          <p:nvSpPr>
+            <p:cNvPr id="7" name="TextBox 6">
+              <a:extLst>
+                <a:ext uri="{FF2B5EF4-FFF2-40B4-BE49-F238E27FC236}">
+                  <a16:creationId xmlns:a16="http://schemas.microsoft.com/office/drawing/2014/main" id="{76766B5D-B409-2116-662B-D3747C3F39BB}"/>
+                </a:ext>
+              </a:extLst>
+            </p:cNvPr>
+            <p:cNvSpPr txBox="1"/>
+            <p:nvPr/>
+          </p:nvSpPr>
+          <p:spPr>
+            <a:xfrm>
+              <a:off x="1217628" y="-1264499"/>
+              <a:ext cx="5506337" cy="338554"/>
+            </a:xfrm>
+            <a:prstGeom prst="rect">
+              <a:avLst/>
+            </a:prstGeom>
+            <a:noFill/>
+          </p:spPr>
+          <p:txBody>
+            <a:bodyPr wrap="square" rtlCol="0">
+              <a:spAutoFit/>
+            </a:bodyPr>
+            <a:lstStyle/>
+            <a:p>
+              <a:r>
+                <a:rPr lang="en-US" altLang="ko-KR" sz="1600" b="1" dirty="0"/>
+                <a:t> Abstraction (</a:t>
+              </a:r>
+              <a:r>
+                <a:rPr lang="ko-KR" altLang="en-US" sz="1600" b="1" dirty="0"/>
+                <a:t>추상화</a:t>
+              </a:r>
+              <a:r>
+                <a:rPr lang="en-US" altLang="ko-KR" sz="1600" b="1" dirty="0"/>
+                <a:t>)</a:t>
+              </a:r>
+              <a:endParaRPr lang="ko-KR" altLang="en-US" sz="1600" b="1" dirty="0"/>
+            </a:p>
+          </p:txBody>
+        </p:sp>
+        <p:sp>
+          <p:nvSpPr>
+            <p:cNvPr id="6" name="TextBox 5">
+              <a:extLst>
+                <a:ext uri="{FF2B5EF4-FFF2-40B4-BE49-F238E27FC236}">
+                  <a16:creationId xmlns:a16="http://schemas.microsoft.com/office/drawing/2014/main" id="{DF83F7BB-A035-EFF8-6ED2-273CBD72FE16}"/>
+                </a:ext>
+              </a:extLst>
+            </p:cNvPr>
+            <p:cNvSpPr txBox="1"/>
+            <p:nvPr/>
+          </p:nvSpPr>
+          <p:spPr>
+            <a:xfrm>
+              <a:off x="1605920" y="-899995"/>
+              <a:ext cx="10622333" cy="646331"/>
+            </a:xfrm>
+            <a:prstGeom prst="rect">
+              <a:avLst/>
+            </a:prstGeom>
+            <a:noFill/>
+          </p:spPr>
+          <p:txBody>
+            <a:bodyPr wrap="square" rtlCol="0">
+              <a:spAutoFit/>
+            </a:bodyPr>
+            <a:lstStyle/>
+            <a:p>
+              <a:r>
+                <a:rPr lang="ko-KR" altLang="en-US" dirty="0"/>
+                <a:t>핵심적인 특징이나 기능을 추출하는 과정으로 복잡한 실제세계의 문제를 </a:t>
+              </a:r>
+              <a:r>
+                <a:rPr lang="ko-KR" altLang="en-US" dirty="0" err="1"/>
+                <a:t>객체화하여</a:t>
+              </a:r>
+              <a:r>
+                <a:rPr lang="ko-KR" altLang="en-US" dirty="0"/>
+                <a:t> 공통적인 속성과 기능을 추출하여 정의하는 것을 의미한다</a:t>
+              </a:r>
+              <a:r>
+                <a:rPr lang="en-US" altLang="ko-KR" dirty="0"/>
+                <a:t>.</a:t>
+              </a:r>
+              <a:endParaRPr lang="ko-KR" altLang="en-US" dirty="0"/>
+            </a:p>
+          </p:txBody>
+        </p:sp>
+      </p:grpSp>
+      <p:grpSp>
+        <p:nvGrpSpPr>
+          <p:cNvPr id="12" name="그룹 11">
+            <a:extLst>
+              <a:ext uri="{FF2B5EF4-FFF2-40B4-BE49-F238E27FC236}">
+                <a16:creationId xmlns:a16="http://schemas.microsoft.com/office/drawing/2014/main" id="{78BB7658-0DFD-9A1D-CC16-1F4ABDA61656}"/>
+              </a:ext>
+            </a:extLst>
+          </p:cNvPr>
+          <p:cNvGrpSpPr/>
+          <p:nvPr/>
+        </p:nvGrpSpPr>
+        <p:grpSpPr>
+          <a:xfrm>
+            <a:off x="1109799" y="4695632"/>
+            <a:ext cx="10440327" cy="956910"/>
+            <a:chOff x="1407515" y="254957"/>
+            <a:chExt cx="10440327" cy="956910"/>
+          </a:xfrm>
+        </p:grpSpPr>
+        <p:sp>
+          <p:nvSpPr>
+            <p:cNvPr id="8" name="TextBox 7">
+              <a:extLst>
+                <a:ext uri="{FF2B5EF4-FFF2-40B4-BE49-F238E27FC236}">
+                  <a16:creationId xmlns:a16="http://schemas.microsoft.com/office/drawing/2014/main" id="{4F6FB5C8-E640-553A-DFCF-B0DAB34D60E1}"/>
+                </a:ext>
+              </a:extLst>
+            </p:cNvPr>
+            <p:cNvSpPr txBox="1"/>
+            <p:nvPr/>
+          </p:nvSpPr>
+          <p:spPr>
+            <a:xfrm>
+              <a:off x="1407515" y="254957"/>
+              <a:ext cx="5506337" cy="338554"/>
+            </a:xfrm>
+            <a:prstGeom prst="rect">
+              <a:avLst/>
+            </a:prstGeom>
+            <a:noFill/>
+          </p:spPr>
+          <p:txBody>
+            <a:bodyPr wrap="square" rtlCol="0">
+              <a:spAutoFit/>
+            </a:bodyPr>
+            <a:lstStyle/>
+            <a:p>
+              <a:r>
+                <a:rPr lang="en-US" altLang="ko-KR" sz="1600" b="1" dirty="0"/>
+                <a:t>1. </a:t>
+              </a:r>
+              <a:r>
+                <a:rPr lang="ko-KR" altLang="en-US" sz="1600" b="1" dirty="0"/>
+                <a:t>제어 추상화</a:t>
+              </a:r>
+            </a:p>
+          </p:txBody>
+        </p:sp>
+        <p:sp>
+          <p:nvSpPr>
+            <p:cNvPr id="11" name="TextBox 10">
+              <a:extLst>
+                <a:ext uri="{FF2B5EF4-FFF2-40B4-BE49-F238E27FC236}">
+                  <a16:creationId xmlns:a16="http://schemas.microsoft.com/office/drawing/2014/main" id="{16C9044C-A6BD-4962-F2BD-54966C431019}"/>
+                </a:ext>
+              </a:extLst>
+            </p:cNvPr>
+            <p:cNvSpPr txBox="1"/>
+            <p:nvPr/>
+          </p:nvSpPr>
+          <p:spPr>
+            <a:xfrm>
+              <a:off x="1511429" y="565536"/>
+              <a:ext cx="10336413" cy="646331"/>
+            </a:xfrm>
+            <a:prstGeom prst="rect">
+              <a:avLst/>
+            </a:prstGeom>
+            <a:noFill/>
+          </p:spPr>
+          <p:txBody>
+            <a:bodyPr wrap="square" rtlCol="0">
+              <a:spAutoFit/>
+            </a:bodyPr>
+            <a:lstStyle/>
+            <a:p>
+              <a:r>
+                <a:rPr lang="ko-KR" altLang="en-US" dirty="0"/>
+                <a:t>메소드의 작동방식과 같은 내부 로직을 숨겨 복잡한 제어 흐름을 단순화하고 사용자로 하여금 간단한 방식으로 특정 동작을 수행할 수 있게 하는 것이다</a:t>
+              </a:r>
+              <a:r>
+                <a:rPr lang="en-US" altLang="ko-KR" dirty="0"/>
+                <a:t>.</a:t>
+              </a:r>
+              <a:endParaRPr lang="ko-KR" altLang="en-US" dirty="0"/>
+            </a:p>
+          </p:txBody>
+        </p:sp>
+      </p:grpSp>
+      <p:grpSp>
+        <p:nvGrpSpPr>
+          <p:cNvPr id="15" name="그룹 14">
+            <a:extLst>
+              <a:ext uri="{FF2B5EF4-FFF2-40B4-BE49-F238E27FC236}">
+                <a16:creationId xmlns:a16="http://schemas.microsoft.com/office/drawing/2014/main" id="{E56BBD44-F4D5-43D9-522A-45E7BC63C203}"/>
+              </a:ext>
+            </a:extLst>
+          </p:cNvPr>
+          <p:cNvGrpSpPr/>
+          <p:nvPr/>
+        </p:nvGrpSpPr>
+        <p:grpSpPr>
+          <a:xfrm>
+            <a:off x="1116374" y="5789113"/>
+            <a:ext cx="10440327" cy="679911"/>
+            <a:chOff x="1407515" y="254957"/>
+            <a:chExt cx="10440327" cy="679911"/>
+          </a:xfrm>
+        </p:grpSpPr>
+        <p:sp>
+          <p:nvSpPr>
+            <p:cNvPr id="17" name="TextBox 16">
+              <a:extLst>
+                <a:ext uri="{FF2B5EF4-FFF2-40B4-BE49-F238E27FC236}">
+                  <a16:creationId xmlns:a16="http://schemas.microsoft.com/office/drawing/2014/main" id="{0C31E12F-B5AC-DC7E-7868-C5BD5850333B}"/>
+                </a:ext>
+              </a:extLst>
+            </p:cNvPr>
+            <p:cNvSpPr txBox="1"/>
+            <p:nvPr/>
+          </p:nvSpPr>
+          <p:spPr>
+            <a:xfrm>
+              <a:off x="1407515" y="254957"/>
+              <a:ext cx="5506337" cy="338554"/>
+            </a:xfrm>
+            <a:prstGeom prst="rect">
+              <a:avLst/>
+            </a:prstGeom>
+            <a:noFill/>
+          </p:spPr>
+          <p:txBody>
+            <a:bodyPr wrap="square" rtlCol="0">
+              <a:spAutoFit/>
+            </a:bodyPr>
+            <a:lstStyle/>
+            <a:p>
+              <a:r>
+                <a:rPr lang="en-US" altLang="ko-KR" sz="1600" b="1" dirty="0"/>
+                <a:t>2. </a:t>
+              </a:r>
+              <a:r>
+                <a:rPr lang="ko-KR" altLang="en-US" sz="1600" b="1" dirty="0"/>
+                <a:t>데이터 추상화</a:t>
+              </a:r>
+            </a:p>
+          </p:txBody>
+        </p:sp>
+        <p:sp>
+          <p:nvSpPr>
+            <p:cNvPr id="18" name="TextBox 17">
+              <a:extLst>
+                <a:ext uri="{FF2B5EF4-FFF2-40B4-BE49-F238E27FC236}">
+                  <a16:creationId xmlns:a16="http://schemas.microsoft.com/office/drawing/2014/main" id="{3590BF0E-5E30-D2D1-9E83-BA6650EEA0F6}"/>
+                </a:ext>
+              </a:extLst>
+            </p:cNvPr>
+            <p:cNvSpPr txBox="1"/>
+            <p:nvPr/>
+          </p:nvSpPr>
+          <p:spPr>
+            <a:xfrm>
+              <a:off x="1511429" y="565536"/>
+              <a:ext cx="10336413" cy="369332"/>
+            </a:xfrm>
+            <a:prstGeom prst="rect">
+              <a:avLst/>
+            </a:prstGeom>
+            <a:noFill/>
+          </p:spPr>
+          <p:txBody>
+            <a:bodyPr wrap="square" rtlCol="0">
+              <a:spAutoFit/>
+            </a:bodyPr>
+            <a:lstStyle/>
+            <a:p>
+              <a:r>
+                <a:rPr lang="ko-KR" altLang="en-US" dirty="0"/>
+                <a:t>복잡한 데이터나 객체의 특성 중 일부만 강조하여 대상을 간단한 개념으로 일반화하는 과정이다</a:t>
+              </a:r>
+              <a:r>
+                <a:rPr lang="en-US" altLang="ko-KR" dirty="0"/>
+                <a:t>.</a:t>
+              </a:r>
+              <a:r>
+                <a:rPr lang="ko-KR" altLang="en-US" dirty="0"/>
+                <a:t> </a:t>
+              </a:r>
+            </a:p>
+          </p:txBody>
+        </p:sp>
+      </p:grpSp>
+      <p:pic>
+        <p:nvPicPr>
+          <p:cNvPr id="20" name="그림 19">
+            <a:extLst>
+              <a:ext uri="{FF2B5EF4-FFF2-40B4-BE49-F238E27FC236}">
+                <a16:creationId xmlns:a16="http://schemas.microsoft.com/office/drawing/2014/main" id="{B274288A-4876-1366-A1A7-3606A7FF6D88}"/>
+              </a:ext>
+            </a:extLst>
+          </p:cNvPr>
+          <p:cNvPicPr>
+            <a:picLocks noChangeAspect="1"/>
+          </p:cNvPicPr>
+          <p:nvPr/>
+        </p:nvPicPr>
+        <p:blipFill>
+          <a:blip r:embed="rId2"/>
+          <a:stretch>
+            <a:fillRect/>
+          </a:stretch>
+        </p:blipFill>
+        <p:spPr>
+          <a:xfrm>
+            <a:off x="1188707" y="1050882"/>
+            <a:ext cx="4621650" cy="2399180"/>
+          </a:xfrm>
+          <a:prstGeom prst="rect">
+            <a:avLst/>
+          </a:prstGeom>
+        </p:spPr>
+      </p:pic>
+      <p:pic>
+        <p:nvPicPr>
+          <p:cNvPr id="29" name="그림 28">
+            <a:extLst>
+              <a:ext uri="{FF2B5EF4-FFF2-40B4-BE49-F238E27FC236}">
+                <a16:creationId xmlns:a16="http://schemas.microsoft.com/office/drawing/2014/main" id="{A6C91BD8-16B0-F115-9D1C-83C17E054659}"/>
+              </a:ext>
+            </a:extLst>
+          </p:cNvPr>
+          <p:cNvPicPr>
+            <a:picLocks noChangeAspect="1"/>
+          </p:cNvPicPr>
+          <p:nvPr/>
+        </p:nvPicPr>
+        <p:blipFill>
+          <a:blip r:embed="rId3"/>
+          <a:stretch>
+            <a:fillRect/>
+          </a:stretch>
+        </p:blipFill>
+        <p:spPr>
+          <a:xfrm>
+            <a:off x="6045838" y="1006153"/>
+            <a:ext cx="5560635" cy="2555373"/>
+          </a:xfrm>
+          <a:prstGeom prst="rect">
+            <a:avLst/>
+          </a:prstGeom>
+        </p:spPr>
+      </p:pic>
+    </p:spTree>
+    <p:extLst>
+      <p:ext uri="{BB962C8B-B14F-4D97-AF65-F5344CB8AC3E}">
+        <p14:creationId xmlns:p14="http://schemas.microsoft.com/office/powerpoint/2010/main" val="804898524"/>
+      </p:ext>
+    </p:extLst>
+  </p:cSld>
+  <p:clrMapOvr>
+    <a:masterClrMapping/>
+  </p:clrMapOvr>
+</p:sld>
+</file>
+
+<file path=ppt/slides/slide11.xml><?xml version="1.0" encoding="utf-8"?>
+<p:sld xmlns:a="http://schemas.openxmlformats.org/drawingml/2006/main" xmlns:r="http://schemas.openxmlformats.org/officeDocument/2006/relationships" xmlns:p="http://schemas.openxmlformats.org/presentationml/2006/main">
+  <p:cSld>
+    <p:spTree>
+      <p:nvGrpSpPr>
+        <p:cNvPr id="1" name=""/>
+        <p:cNvGrpSpPr/>
+        <p:nvPr/>
+      </p:nvGrpSpPr>
+      <p:grpSpPr>
+        <a:xfrm>
+          <a:off x="0" y="0"/>
+          <a:ext cx="0" cy="0"/>
+          <a:chOff x="0" y="0"/>
+          <a:chExt cx="0" cy="0"/>
+        </a:xfrm>
+      </p:grpSpPr>
+      <p:sp>
+        <p:nvSpPr>
+          <p:cNvPr id="4" name="직사각형 3"/>
+          <p:cNvSpPr/>
+          <p:nvPr/>
+        </p:nvSpPr>
+        <p:spPr>
+          <a:xfrm>
+            <a:off x="0" y="0"/>
+            <a:ext cx="12192000" cy="6858000"/>
+          </a:xfrm>
+          <a:prstGeom prst="rect">
+            <a:avLst/>
+          </a:prstGeom>
+          <a:solidFill>
+            <a:srgbClr val="ED7D31"/>
+          </a:solidFill>
+          <a:ln>
+            <a:noFill/>
+          </a:ln>
+        </p:spPr>
+        <p:style>
+          <a:lnRef idx="0">
+            <a:scrgbClr r="0" g="0" b="0"/>
+          </a:lnRef>
+          <a:fillRef idx="0">
+            <a:scrgbClr r="0" g="0" b="0"/>
+          </a:fillRef>
+          <a:effectRef idx="0">
+            <a:scrgbClr r="0" g="0" b="0"/>
+          </a:effectRef>
+          <a:fontRef idx="minor">
+            <a:schemeClr val="lt1"/>
+          </a:fontRef>
+        </p:style>
+        <p:txBody>
+          <a:bodyPr rtlCol="0" anchor="ctr"/>
+          <a:lstStyle/>
+          <a:p>
+            <a:pPr algn="ctr"/>
+            <a:endParaRPr lang="ko-KR" altLang="en-US" dirty="0"/>
+          </a:p>
+        </p:txBody>
+      </p:sp>
+      <p:sp>
+        <p:nvSpPr>
+          <p:cNvPr id="5" name="직사각형 4"/>
+          <p:cNvSpPr/>
+          <p:nvPr/>
+        </p:nvSpPr>
+        <p:spPr>
+          <a:xfrm>
+            <a:off x="149629" y="158750"/>
+            <a:ext cx="11892742" cy="6540500"/>
+          </a:xfrm>
+          <a:prstGeom prst="rect">
+            <a:avLst/>
+          </a:prstGeom>
+          <a:ln>
+            <a:solidFill>
+              <a:schemeClr val="bg1"/>
+            </a:solidFill>
+          </a:ln>
+        </p:spPr>
+        <p:style>
+          <a:lnRef idx="2">
+            <a:schemeClr val="accent3"/>
+          </a:lnRef>
+          <a:fillRef idx="1">
+            <a:schemeClr val="lt1"/>
+          </a:fillRef>
+          <a:effectRef idx="0">
+            <a:schemeClr val="accent3"/>
+          </a:effectRef>
+          <a:fontRef idx="minor">
+            <a:schemeClr val="dk1"/>
+          </a:fontRef>
+        </p:style>
+        <p:txBody>
+          <a:bodyPr rtlCol="0" anchor="ctr"/>
+          <a:lstStyle/>
+          <a:p>
+            <a:pPr algn="ctr"/>
+            <a:endParaRPr lang="ko-KR" altLang="en-US" dirty="0"/>
+          </a:p>
+        </p:txBody>
+      </p:sp>
+      <p:grpSp>
+        <p:nvGrpSpPr>
+          <p:cNvPr id="14" name="그룹 13">
+            <a:extLst>
+              <a:ext uri="{FF2B5EF4-FFF2-40B4-BE49-F238E27FC236}">
+                <a16:creationId xmlns:a16="http://schemas.microsoft.com/office/drawing/2014/main" id="{61877460-20A8-3B6F-7977-0BD51F79DB44}"/>
+              </a:ext>
+            </a:extLst>
+          </p:cNvPr>
+          <p:cNvGrpSpPr/>
+          <p:nvPr/>
+        </p:nvGrpSpPr>
+        <p:grpSpPr>
+          <a:xfrm>
+            <a:off x="-485731" y="275023"/>
             <a:ext cx="3878926" cy="1212536"/>
             <a:chOff x="-485731" y="275023"/>
             <a:chExt cx="3878926" cy="1212536"/>
@@ -4783,7 +5490,7 @@
 </p:sld>
 </file>
 
-<file path=ppt/slides/slide11.xml><?xml version="1.0" encoding="utf-8"?>
+<file path=ppt/slides/slide12.xml><?xml version="1.0" encoding="utf-8"?>
 <p:sld xmlns:a="http://schemas.openxmlformats.org/drawingml/2006/main" xmlns:r="http://schemas.openxmlformats.org/officeDocument/2006/relationships" xmlns:p="http://schemas.openxmlformats.org/presentationml/2006/main">
   <p:cSld>
     <p:spTree>
@@ -5455,7 +6162,7 @@
 </p:sld>
 </file>
 
-<file path=ppt/slides/slide12.xml><?xml version="1.0" encoding="utf-8"?>
+<file path=ppt/slides/slide13.xml><?xml version="1.0" encoding="utf-8"?>
 <p:sld xmlns:a="http://schemas.openxmlformats.org/drawingml/2006/main" xmlns:r="http://schemas.openxmlformats.org/officeDocument/2006/relationships" xmlns:p="http://schemas.openxmlformats.org/presentationml/2006/main">
   <p:cSld>
     <p:spTree>
@@ -6092,7 +6799,7 @@
 </p:sld>
 </file>
 
-<file path=ppt/slides/slide13.xml><?xml version="1.0" encoding="utf-8"?>
+<file path=ppt/slides/slide14.xml><?xml version="1.0" encoding="utf-8"?>
 <p:sld xmlns:a="http://schemas.openxmlformats.org/drawingml/2006/main" xmlns:r="http://schemas.openxmlformats.org/officeDocument/2006/relationships" xmlns:p="http://schemas.openxmlformats.org/presentationml/2006/main">
   <p:cSld>
     <p:spTree>
@@ -6859,7 +7566,7 @@
 </p:sld>
 </file>
 
-<file path=ppt/slides/slide14.xml><?xml version="1.0" encoding="utf-8"?>
+<file path=ppt/slides/slide15.xml><?xml version="1.0" encoding="utf-8"?>
 <p:sld xmlns:a="http://schemas.openxmlformats.org/drawingml/2006/main" xmlns:r="http://schemas.openxmlformats.org/officeDocument/2006/relationships" xmlns:p="http://schemas.openxmlformats.org/presentationml/2006/main">
   <p:cSld>
     <p:spTree>
@@ -12151,6 +12858,936 @@
                   <a:rPr lang="en-US" altLang="ko-KR" sz="2800" dirty="0">
                     <a:latin typeface="Monospac821 BT" panose="020B0609020202020204" pitchFamily="49" charset="0"/>
                   </a:rPr>
+                  <a:t>01</a:t>
+                </a:r>
+                <a:endParaRPr lang="ko-KR" altLang="en-US" sz="2800" dirty="0">
+                  <a:latin typeface="Monospac821 BT" panose="020B0609020202020204" pitchFamily="49" charset="0"/>
+                </a:endParaRPr>
+              </a:p>
+            </p:txBody>
+          </p:sp>
+          <p:sp>
+            <p:nvSpPr>
+              <p:cNvPr id="9" name="직사각형 8">
+                <a:extLst>
+                  <a:ext uri="{FF2B5EF4-FFF2-40B4-BE49-F238E27FC236}">
+                    <a16:creationId xmlns:a16="http://schemas.microsoft.com/office/drawing/2014/main" id="{3CAC909A-96A8-2E03-F966-4871839B827C}"/>
+                  </a:ext>
+                </a:extLst>
+              </p:cNvPr>
+              <p:cNvSpPr/>
+              <p:nvPr/>
+            </p:nvSpPr>
+            <p:spPr>
+              <a:xfrm>
+                <a:off x="5639477" y="2609052"/>
+                <a:ext cx="739142" cy="90788"/>
+              </a:xfrm>
+              <a:prstGeom prst="rect">
+                <a:avLst/>
+              </a:prstGeom>
+              <a:ln>
+                <a:solidFill>
+                  <a:srgbClr val="ED7D31"/>
+                </a:solidFill>
+              </a:ln>
+            </p:spPr>
+            <p:style>
+              <a:lnRef idx="2">
+                <a:schemeClr val="accent2">
+                  <a:shade val="50000"/>
+                </a:schemeClr>
+              </a:lnRef>
+              <a:fillRef idx="1">
+                <a:schemeClr val="accent2"/>
+              </a:fillRef>
+              <a:effectRef idx="0">
+                <a:schemeClr val="accent2"/>
+              </a:effectRef>
+              <a:fontRef idx="minor">
+                <a:schemeClr val="lt1"/>
+              </a:fontRef>
+            </p:style>
+            <p:txBody>
+              <a:bodyPr rtlCol="0" anchor="ctr"/>
+              <a:lstStyle/>
+              <a:p>
+                <a:pPr algn="ctr"/>
+                <a:endParaRPr lang="ko-KR" altLang="en-US"/>
+              </a:p>
+            </p:txBody>
+          </p:sp>
+          <p:sp>
+            <p:nvSpPr>
+              <p:cNvPr id="10" name="TextBox 9">
+                <a:extLst>
+                  <a:ext uri="{FF2B5EF4-FFF2-40B4-BE49-F238E27FC236}">
+                    <a16:creationId xmlns:a16="http://schemas.microsoft.com/office/drawing/2014/main" id="{9EA883A0-AB29-04E6-FD8A-1AD54C697935}"/>
+                  </a:ext>
+                </a:extLst>
+              </p:cNvPr>
+              <p:cNvSpPr txBox="1"/>
+              <p:nvPr/>
+            </p:nvSpPr>
+            <p:spPr>
+              <a:xfrm>
+                <a:off x="4783089" y="3483034"/>
+                <a:ext cx="2451917" cy="338554"/>
+              </a:xfrm>
+              <a:prstGeom prst="rect">
+                <a:avLst/>
+              </a:prstGeom>
+              <a:noFill/>
+            </p:spPr>
+            <p:txBody>
+              <a:bodyPr wrap="square" rtlCol="0">
+                <a:spAutoFit/>
+              </a:bodyPr>
+              <a:lstStyle/>
+              <a:p>
+                <a:pPr algn="ctr"/>
+                <a:endParaRPr lang="ko-KR" altLang="en-US" sz="1600" dirty="0">
+                  <a:latin typeface="휴먼둥근헤드라인" panose="02030504000101010101" pitchFamily="18" charset="-127"/>
+                  <a:ea typeface="휴먼둥근헤드라인" panose="02030504000101010101" pitchFamily="18" charset="-127"/>
+                </a:endParaRPr>
+              </a:p>
+            </p:txBody>
+          </p:sp>
+        </p:grpSp>
+        <p:sp>
+          <p:nvSpPr>
+            <p:cNvPr id="3" name="TextBox 2">
+              <a:extLst>
+                <a:ext uri="{FF2B5EF4-FFF2-40B4-BE49-F238E27FC236}">
+                  <a16:creationId xmlns:a16="http://schemas.microsoft.com/office/drawing/2014/main" id="{71A9A1B7-E3DA-44D0-82AC-C0E58A9C2760}"/>
+                </a:ext>
+              </a:extLst>
+            </p:cNvPr>
+            <p:cNvSpPr txBox="1"/>
+            <p:nvPr/>
+          </p:nvSpPr>
+          <p:spPr>
+            <a:xfrm>
+              <a:off x="1109799" y="470613"/>
+              <a:ext cx="2652968" cy="338554"/>
+            </a:xfrm>
+            <a:prstGeom prst="rect">
+              <a:avLst/>
+            </a:prstGeom>
+            <a:noFill/>
+          </p:spPr>
+          <p:txBody>
+            <a:bodyPr wrap="square" rtlCol="0">
+              <a:spAutoFit/>
+            </a:bodyPr>
+            <a:lstStyle/>
+            <a:p>
+              <a:pPr algn="ctr"/>
+              <a:r>
+                <a:rPr lang="ko-KR" altLang="en-US" sz="1600" dirty="0">
+                  <a:latin typeface="휴먼둥근헤드라인" panose="02030504000101010101" pitchFamily="18" charset="-127"/>
+                  <a:ea typeface="휴먼둥근헤드라인" panose="02030504000101010101" pitchFamily="18" charset="-127"/>
+                </a:rPr>
+                <a:t>객체 지향 프로그래밍이란</a:t>
+              </a:r>
+            </a:p>
+          </p:txBody>
+        </p:sp>
+      </p:grpSp>
+      <p:sp>
+        <p:nvSpPr>
+          <p:cNvPr id="7" name="TextBox 6">
+            <a:extLst>
+              <a:ext uri="{FF2B5EF4-FFF2-40B4-BE49-F238E27FC236}">
+                <a16:creationId xmlns:a16="http://schemas.microsoft.com/office/drawing/2014/main" id="{76766B5D-B409-2116-662B-D3747C3F39BB}"/>
+              </a:ext>
+            </a:extLst>
+          </p:cNvPr>
+          <p:cNvSpPr txBox="1"/>
+          <p:nvPr/>
+        </p:nvSpPr>
+        <p:spPr>
+          <a:xfrm>
+            <a:off x="740227" y="1044086"/>
+            <a:ext cx="6685142" cy="338554"/>
+          </a:xfrm>
+          <a:prstGeom prst="rect">
+            <a:avLst/>
+          </a:prstGeom>
+          <a:noFill/>
+        </p:spPr>
+        <p:txBody>
+          <a:bodyPr wrap="square" rtlCol="0">
+            <a:spAutoFit/>
+          </a:bodyPr>
+          <a:lstStyle/>
+          <a:p>
+            <a:r>
+              <a:rPr lang="en-US" altLang="ko-KR" sz="1600" b="1" dirty="0"/>
+              <a:t>OOP(Object Oriented Programming)</a:t>
+            </a:r>
+            <a:r>
+              <a:rPr lang="ko-KR" altLang="en-US" sz="1600" b="1" dirty="0"/>
+              <a:t>의 </a:t>
+            </a:r>
+            <a:r>
+              <a:rPr lang="en-US" altLang="ko-KR" sz="1600" b="1" dirty="0"/>
+              <a:t>5</a:t>
+            </a:r>
+            <a:r>
+              <a:rPr lang="ko-KR" altLang="en-US" sz="1600" b="1" dirty="0"/>
+              <a:t>가지 설계 원칙</a:t>
+            </a:r>
+            <a:r>
+              <a:rPr lang="en-US" altLang="ko-KR" sz="1600" b="1" dirty="0"/>
+              <a:t>(SOLID)</a:t>
+            </a:r>
+            <a:endParaRPr lang="ko-KR" altLang="en-US" sz="1600" b="1" dirty="0"/>
+          </a:p>
+        </p:txBody>
+      </p:sp>
+      <p:sp>
+        <p:nvSpPr>
+          <p:cNvPr id="8" name="TextBox 7">
+            <a:extLst>
+              <a:ext uri="{FF2B5EF4-FFF2-40B4-BE49-F238E27FC236}">
+                <a16:creationId xmlns:a16="http://schemas.microsoft.com/office/drawing/2014/main" id="{657410ED-C8BE-1DDE-624E-F9EF9CE75CF4}"/>
+              </a:ext>
+            </a:extLst>
+          </p:cNvPr>
+          <p:cNvSpPr txBox="1"/>
+          <p:nvPr/>
+        </p:nvSpPr>
+        <p:spPr>
+          <a:xfrm>
+            <a:off x="1429252" y="2034341"/>
+            <a:ext cx="10341974" cy="307777"/>
+          </a:xfrm>
+          <a:prstGeom prst="rect">
+            <a:avLst/>
+          </a:prstGeom>
+          <a:noFill/>
+        </p:spPr>
+        <p:txBody>
+          <a:bodyPr wrap="square" rtlCol="0">
+            <a:spAutoFit/>
+          </a:bodyPr>
+          <a:lstStyle/>
+          <a:p>
+            <a:r>
+              <a:rPr lang="ko-KR" altLang="en-US" sz="1400" dirty="0"/>
+              <a:t>한 개의 클래스는 하나의 기능 담당만을 가져야 한다</a:t>
+            </a:r>
+            <a:r>
+              <a:rPr lang="en-US" altLang="ko-KR" sz="1400" dirty="0"/>
+              <a:t>.</a:t>
+            </a:r>
+            <a:endParaRPr lang="ko-KR" altLang="en-US" sz="1400" dirty="0"/>
+          </a:p>
+        </p:txBody>
+      </p:sp>
+      <p:sp>
+        <p:nvSpPr>
+          <p:cNvPr id="12" name="TextBox 11">
+            <a:extLst>
+              <a:ext uri="{FF2B5EF4-FFF2-40B4-BE49-F238E27FC236}">
+                <a16:creationId xmlns:a16="http://schemas.microsoft.com/office/drawing/2014/main" id="{2A26F8A6-251C-3AB6-C657-14087AAE0762}"/>
+              </a:ext>
+            </a:extLst>
+          </p:cNvPr>
+          <p:cNvSpPr txBox="1"/>
+          <p:nvPr/>
+        </p:nvSpPr>
+        <p:spPr>
+          <a:xfrm>
+            <a:off x="1051165" y="1674394"/>
+            <a:ext cx="5423203" cy="307777"/>
+          </a:xfrm>
+          <a:prstGeom prst="rect">
+            <a:avLst/>
+          </a:prstGeom>
+          <a:noFill/>
+        </p:spPr>
+        <p:txBody>
+          <a:bodyPr wrap="square" rtlCol="0">
+            <a:spAutoFit/>
+          </a:bodyPr>
+          <a:lstStyle/>
+          <a:p>
+            <a:r>
+              <a:rPr lang="en-US" altLang="ko-KR" sz="1400" b="1" dirty="0"/>
+              <a:t>1. </a:t>
+            </a:r>
+            <a:r>
+              <a:rPr lang="ko-KR" altLang="en-US" sz="1400" b="1" dirty="0"/>
+              <a:t>단일 책임 원칙 </a:t>
+            </a:r>
+            <a:r>
+              <a:rPr lang="en-US" altLang="ko-KR" sz="1400" b="1" dirty="0"/>
+              <a:t>(SRP, Single Responsibility </a:t>
+            </a:r>
+            <a:r>
+              <a:rPr lang="en-US" altLang="ko-KR" sz="1400" b="1" dirty="0" err="1"/>
+              <a:t>Pinciple</a:t>
+            </a:r>
+            <a:r>
+              <a:rPr lang="en-US" altLang="ko-KR" sz="1400" b="1" dirty="0"/>
+              <a:t>)</a:t>
+            </a:r>
+            <a:endParaRPr lang="ko-KR" altLang="en-US" sz="1400" b="1" dirty="0"/>
+          </a:p>
+        </p:txBody>
+      </p:sp>
+      <p:grpSp>
+        <p:nvGrpSpPr>
+          <p:cNvPr id="17" name="그룹 16">
+            <a:extLst>
+              <a:ext uri="{FF2B5EF4-FFF2-40B4-BE49-F238E27FC236}">
+                <a16:creationId xmlns:a16="http://schemas.microsoft.com/office/drawing/2014/main" id="{85938528-B70C-73E8-14F2-E163EEEB5728}"/>
+              </a:ext>
+            </a:extLst>
+          </p:cNvPr>
+          <p:cNvGrpSpPr/>
+          <p:nvPr/>
+        </p:nvGrpSpPr>
+        <p:grpSpPr>
+          <a:xfrm>
+            <a:off x="1051165" y="2489333"/>
+            <a:ext cx="10720061" cy="667724"/>
+            <a:chOff x="1051165" y="2489333"/>
+            <a:chExt cx="10720061" cy="667724"/>
+          </a:xfrm>
+        </p:grpSpPr>
+        <p:sp>
+          <p:nvSpPr>
+            <p:cNvPr id="15" name="TextBox 14">
+              <a:extLst>
+                <a:ext uri="{FF2B5EF4-FFF2-40B4-BE49-F238E27FC236}">
+                  <a16:creationId xmlns:a16="http://schemas.microsoft.com/office/drawing/2014/main" id="{AADFFE85-50E7-7FD6-DFEF-5CDD69CE20F7}"/>
+                </a:ext>
+              </a:extLst>
+            </p:cNvPr>
+            <p:cNvSpPr txBox="1"/>
+            <p:nvPr/>
+          </p:nvSpPr>
+          <p:spPr>
+            <a:xfrm>
+              <a:off x="1429252" y="2849280"/>
+              <a:ext cx="10341974" cy="307777"/>
+            </a:xfrm>
+            <a:prstGeom prst="rect">
+              <a:avLst/>
+            </a:prstGeom>
+            <a:noFill/>
+          </p:spPr>
+          <p:txBody>
+            <a:bodyPr wrap="square" rtlCol="0">
+              <a:spAutoFit/>
+            </a:bodyPr>
+            <a:lstStyle/>
+            <a:p>
+              <a:r>
+                <a:rPr lang="ko-KR" altLang="en-US" sz="1400" dirty="0"/>
+                <a:t>클래스를 확상 하는 데에는 열려 </a:t>
+              </a:r>
+              <a:r>
+                <a:rPr lang="ko-KR" altLang="en-US" sz="1400" dirty="0" err="1"/>
+                <a:t>있어야하며</a:t>
+              </a:r>
+              <a:r>
+                <a:rPr lang="en-US" altLang="ko-KR" sz="1400" dirty="0"/>
+                <a:t>, </a:t>
+              </a:r>
+              <a:r>
+                <a:rPr lang="ko-KR" altLang="en-US" sz="1400" dirty="0"/>
+                <a:t>수정하는 데는 </a:t>
+              </a:r>
+              <a:r>
+                <a:rPr lang="ko-KR" altLang="en-US" sz="1400" dirty="0" err="1"/>
+                <a:t>닫혀있어야</a:t>
+              </a:r>
+              <a:r>
+                <a:rPr lang="ko-KR" altLang="en-US" sz="1400" dirty="0"/>
+                <a:t> 한다</a:t>
+              </a:r>
+              <a:r>
+                <a:rPr lang="en-US" altLang="ko-KR" sz="1400" dirty="0"/>
+                <a:t>.</a:t>
+              </a:r>
+              <a:endParaRPr lang="ko-KR" altLang="en-US" sz="1400" dirty="0"/>
+            </a:p>
+          </p:txBody>
+        </p:sp>
+        <p:sp>
+          <p:nvSpPr>
+            <p:cNvPr id="16" name="TextBox 15">
+              <a:extLst>
+                <a:ext uri="{FF2B5EF4-FFF2-40B4-BE49-F238E27FC236}">
+                  <a16:creationId xmlns:a16="http://schemas.microsoft.com/office/drawing/2014/main" id="{384310BA-59B3-92A9-B395-1180536F6150}"/>
+                </a:ext>
+              </a:extLst>
+            </p:cNvPr>
+            <p:cNvSpPr txBox="1"/>
+            <p:nvPr/>
+          </p:nvSpPr>
+          <p:spPr>
+            <a:xfrm>
+              <a:off x="1051165" y="2489333"/>
+              <a:ext cx="5423203" cy="307777"/>
+            </a:xfrm>
+            <a:prstGeom prst="rect">
+              <a:avLst/>
+            </a:prstGeom>
+            <a:noFill/>
+          </p:spPr>
+          <p:txBody>
+            <a:bodyPr wrap="square" rtlCol="0">
+              <a:spAutoFit/>
+            </a:bodyPr>
+            <a:lstStyle/>
+            <a:p>
+              <a:r>
+                <a:rPr lang="en-US" altLang="ko-KR" sz="1400" b="1" dirty="0"/>
+                <a:t>2. </a:t>
+              </a:r>
+              <a:r>
+                <a:rPr lang="ko-KR" altLang="en-US" sz="1400" b="1" dirty="0"/>
+                <a:t>개방 폐쇄 원칙 </a:t>
+              </a:r>
+              <a:r>
+                <a:rPr lang="en-US" altLang="ko-KR" sz="1400" b="1" dirty="0"/>
+                <a:t>(OCP, Open Closed Principle)</a:t>
+              </a:r>
+              <a:endParaRPr lang="ko-KR" altLang="en-US" sz="1400" b="1" dirty="0"/>
+            </a:p>
+          </p:txBody>
+        </p:sp>
+      </p:grpSp>
+      <p:grpSp>
+        <p:nvGrpSpPr>
+          <p:cNvPr id="18" name="그룹 17">
+            <a:extLst>
+              <a:ext uri="{FF2B5EF4-FFF2-40B4-BE49-F238E27FC236}">
+                <a16:creationId xmlns:a16="http://schemas.microsoft.com/office/drawing/2014/main" id="{457A0EBA-010B-BF55-2132-E2333531CC7D}"/>
+              </a:ext>
+            </a:extLst>
+          </p:cNvPr>
+          <p:cNvGrpSpPr/>
+          <p:nvPr/>
+        </p:nvGrpSpPr>
+        <p:grpSpPr>
+          <a:xfrm>
+            <a:off x="1051165" y="3363103"/>
+            <a:ext cx="10720061" cy="667724"/>
+            <a:chOff x="1051165" y="2489333"/>
+            <a:chExt cx="10720061" cy="667724"/>
+          </a:xfrm>
+        </p:grpSpPr>
+        <p:sp>
+          <p:nvSpPr>
+            <p:cNvPr id="19" name="TextBox 18">
+              <a:extLst>
+                <a:ext uri="{FF2B5EF4-FFF2-40B4-BE49-F238E27FC236}">
+                  <a16:creationId xmlns:a16="http://schemas.microsoft.com/office/drawing/2014/main" id="{BDCFF78E-5C7F-F90B-4E19-A4A6187B1A47}"/>
+                </a:ext>
+              </a:extLst>
+            </p:cNvPr>
+            <p:cNvSpPr txBox="1"/>
+            <p:nvPr/>
+          </p:nvSpPr>
+          <p:spPr>
+            <a:xfrm>
+              <a:off x="1429252" y="2849280"/>
+              <a:ext cx="10341974" cy="307777"/>
+            </a:xfrm>
+            <a:prstGeom prst="rect">
+              <a:avLst/>
+            </a:prstGeom>
+            <a:noFill/>
+          </p:spPr>
+          <p:txBody>
+            <a:bodyPr wrap="square" rtlCol="0">
+              <a:spAutoFit/>
+            </a:bodyPr>
+            <a:lstStyle/>
+            <a:p>
+              <a:r>
+                <a:rPr lang="ko-KR" altLang="en-US" sz="1400" dirty="0"/>
+                <a:t>한 개의 클래스는 하나의 기능 담당만을 가져야 한다</a:t>
+              </a:r>
+              <a:r>
+                <a:rPr lang="en-US" altLang="ko-KR" sz="1400" dirty="0"/>
+                <a:t>.</a:t>
+              </a:r>
+              <a:endParaRPr lang="ko-KR" altLang="en-US" sz="1400" dirty="0"/>
+            </a:p>
+          </p:txBody>
+        </p:sp>
+        <p:sp>
+          <p:nvSpPr>
+            <p:cNvPr id="20" name="TextBox 19">
+              <a:extLst>
+                <a:ext uri="{FF2B5EF4-FFF2-40B4-BE49-F238E27FC236}">
+                  <a16:creationId xmlns:a16="http://schemas.microsoft.com/office/drawing/2014/main" id="{D00B7C4D-298A-D06F-D58B-7416DE2F899F}"/>
+                </a:ext>
+              </a:extLst>
+            </p:cNvPr>
+            <p:cNvSpPr txBox="1"/>
+            <p:nvPr/>
+          </p:nvSpPr>
+          <p:spPr>
+            <a:xfrm>
+              <a:off x="1051165" y="2489333"/>
+              <a:ext cx="5423203" cy="307777"/>
+            </a:xfrm>
+            <a:prstGeom prst="rect">
+              <a:avLst/>
+            </a:prstGeom>
+            <a:noFill/>
+          </p:spPr>
+          <p:txBody>
+            <a:bodyPr wrap="square" rtlCol="0">
+              <a:spAutoFit/>
+            </a:bodyPr>
+            <a:lstStyle/>
+            <a:p>
+              <a:r>
+                <a:rPr lang="en-US" altLang="ko-KR" sz="1400" b="1" dirty="0"/>
+                <a:t>3. </a:t>
+              </a:r>
+              <a:r>
+                <a:rPr lang="ko-KR" altLang="en-US" sz="1400" b="1" dirty="0" err="1"/>
+                <a:t>리스코프</a:t>
+              </a:r>
+              <a:r>
+                <a:rPr lang="ko-KR" altLang="en-US" sz="1400" b="1" dirty="0"/>
+                <a:t> 치환 원칙 </a:t>
+              </a:r>
+              <a:r>
+                <a:rPr lang="en-US" altLang="ko-KR" sz="1400" b="1" dirty="0"/>
+                <a:t>(LSP, </a:t>
+              </a:r>
+              <a:r>
+                <a:rPr lang="en-US" altLang="ko-KR" sz="1400" b="1" dirty="0" err="1"/>
+                <a:t>Liscov</a:t>
+              </a:r>
+              <a:r>
+                <a:rPr lang="en-US" altLang="ko-KR" sz="1400" b="1" dirty="0"/>
+                <a:t> Substitution Principle)</a:t>
+              </a:r>
+              <a:endParaRPr lang="ko-KR" altLang="en-US" sz="1400" b="1" dirty="0"/>
+            </a:p>
+          </p:txBody>
+        </p:sp>
+      </p:grpSp>
+      <p:grpSp>
+        <p:nvGrpSpPr>
+          <p:cNvPr id="21" name="그룹 20">
+            <a:extLst>
+              <a:ext uri="{FF2B5EF4-FFF2-40B4-BE49-F238E27FC236}">
+                <a16:creationId xmlns:a16="http://schemas.microsoft.com/office/drawing/2014/main" id="{403E1B01-0C9B-A3D8-73C0-55682AD18A20}"/>
+              </a:ext>
+            </a:extLst>
+          </p:cNvPr>
+          <p:cNvGrpSpPr/>
+          <p:nvPr/>
+        </p:nvGrpSpPr>
+        <p:grpSpPr>
+          <a:xfrm>
+            <a:off x="1109799" y="4236874"/>
+            <a:ext cx="10720061" cy="667724"/>
+            <a:chOff x="1051165" y="2489333"/>
+            <a:chExt cx="10720061" cy="667724"/>
+          </a:xfrm>
+        </p:grpSpPr>
+        <p:sp>
+          <p:nvSpPr>
+            <p:cNvPr id="22" name="TextBox 21">
+              <a:extLst>
+                <a:ext uri="{FF2B5EF4-FFF2-40B4-BE49-F238E27FC236}">
+                  <a16:creationId xmlns:a16="http://schemas.microsoft.com/office/drawing/2014/main" id="{AB94386A-8923-2378-C081-BDF7149F281B}"/>
+                </a:ext>
+              </a:extLst>
+            </p:cNvPr>
+            <p:cNvSpPr txBox="1"/>
+            <p:nvPr/>
+          </p:nvSpPr>
+          <p:spPr>
+            <a:xfrm>
+              <a:off x="1429252" y="2849280"/>
+              <a:ext cx="10341974" cy="307777"/>
+            </a:xfrm>
+            <a:prstGeom prst="rect">
+              <a:avLst/>
+            </a:prstGeom>
+            <a:noFill/>
+          </p:spPr>
+          <p:txBody>
+            <a:bodyPr wrap="square" rtlCol="0">
+              <a:spAutoFit/>
+            </a:bodyPr>
+            <a:lstStyle/>
+            <a:p>
+              <a:r>
+                <a:rPr lang="ko-KR" altLang="en-US" sz="1400" dirty="0"/>
+                <a:t>인터페이스의 단일 책임을 강조하는 것으로 인터페이스를 각각 사용에 맞게끔 잘 분리해야 한다</a:t>
+              </a:r>
+              <a:r>
+                <a:rPr lang="en-US" altLang="ko-KR" sz="1400" dirty="0"/>
+                <a:t>.</a:t>
+              </a:r>
+              <a:endParaRPr lang="ko-KR" altLang="en-US" sz="1400" dirty="0"/>
+            </a:p>
+          </p:txBody>
+        </p:sp>
+        <p:sp>
+          <p:nvSpPr>
+            <p:cNvPr id="23" name="TextBox 22">
+              <a:extLst>
+                <a:ext uri="{FF2B5EF4-FFF2-40B4-BE49-F238E27FC236}">
+                  <a16:creationId xmlns:a16="http://schemas.microsoft.com/office/drawing/2014/main" id="{9D0114F2-17C4-3991-D318-6D204354F44B}"/>
+                </a:ext>
+              </a:extLst>
+            </p:cNvPr>
+            <p:cNvSpPr txBox="1"/>
+            <p:nvPr/>
+          </p:nvSpPr>
+          <p:spPr>
+            <a:xfrm>
+              <a:off x="1051165" y="2489333"/>
+              <a:ext cx="5423203" cy="307777"/>
+            </a:xfrm>
+            <a:prstGeom prst="rect">
+              <a:avLst/>
+            </a:prstGeom>
+            <a:noFill/>
+          </p:spPr>
+          <p:txBody>
+            <a:bodyPr wrap="square" rtlCol="0">
+              <a:spAutoFit/>
+            </a:bodyPr>
+            <a:lstStyle/>
+            <a:p>
+              <a:r>
+                <a:rPr lang="en-US" altLang="ko-KR" sz="1400" b="1" dirty="0"/>
+                <a:t>4. </a:t>
+              </a:r>
+              <a:r>
+                <a:rPr lang="ko-KR" altLang="en-US" sz="1400" b="1" dirty="0"/>
+                <a:t>인터페이스 분리 원칙 </a:t>
+              </a:r>
+              <a:r>
+                <a:rPr lang="en-US" altLang="ko-KR" sz="1400" b="1" dirty="0"/>
+                <a:t>(ISP, Interface Segregation Principle)</a:t>
+              </a:r>
+              <a:endParaRPr lang="ko-KR" altLang="en-US" sz="1400" b="1" dirty="0"/>
+            </a:p>
+          </p:txBody>
+        </p:sp>
+      </p:grpSp>
+      <p:grpSp>
+        <p:nvGrpSpPr>
+          <p:cNvPr id="24" name="그룹 23">
+            <a:extLst>
+              <a:ext uri="{FF2B5EF4-FFF2-40B4-BE49-F238E27FC236}">
+                <a16:creationId xmlns:a16="http://schemas.microsoft.com/office/drawing/2014/main" id="{61357AE4-FBE6-0FA8-3CEA-9A2D69253167}"/>
+              </a:ext>
+            </a:extLst>
+          </p:cNvPr>
+          <p:cNvGrpSpPr/>
+          <p:nvPr/>
+        </p:nvGrpSpPr>
+        <p:grpSpPr>
+          <a:xfrm>
+            <a:off x="1114337" y="5166175"/>
+            <a:ext cx="10720061" cy="667724"/>
+            <a:chOff x="1051165" y="2489333"/>
+            <a:chExt cx="10720061" cy="667724"/>
+          </a:xfrm>
+        </p:grpSpPr>
+        <p:sp>
+          <p:nvSpPr>
+            <p:cNvPr id="25" name="TextBox 24">
+              <a:extLst>
+                <a:ext uri="{FF2B5EF4-FFF2-40B4-BE49-F238E27FC236}">
+                  <a16:creationId xmlns:a16="http://schemas.microsoft.com/office/drawing/2014/main" id="{80CF360B-B9D8-4506-8489-AA21DFCB1CE9}"/>
+                </a:ext>
+              </a:extLst>
+            </p:cNvPr>
+            <p:cNvSpPr txBox="1"/>
+            <p:nvPr/>
+          </p:nvSpPr>
+          <p:spPr>
+            <a:xfrm>
+              <a:off x="1429252" y="2849280"/>
+              <a:ext cx="10341974" cy="307777"/>
+            </a:xfrm>
+            <a:prstGeom prst="rect">
+              <a:avLst/>
+            </a:prstGeom>
+            <a:noFill/>
+          </p:spPr>
+          <p:txBody>
+            <a:bodyPr wrap="square" rtlCol="0">
+              <a:spAutoFit/>
+            </a:bodyPr>
+            <a:lstStyle/>
+            <a:p>
+              <a:r>
+                <a:rPr lang="ko-KR" altLang="en-US" sz="1400" dirty="0"/>
+                <a:t>객체는 구체적인 객체가 아닌 추상화에 의존해야 하며</a:t>
+              </a:r>
+              <a:r>
+                <a:rPr lang="en-US" altLang="ko-KR" sz="1400" dirty="0"/>
+                <a:t>,</a:t>
+              </a:r>
+              <a:r>
+                <a:rPr lang="ko-KR" altLang="en-US" sz="1400" dirty="0"/>
+                <a:t> 상위의 인터페이스 타입의 객체로 통신해야 한다</a:t>
+              </a:r>
+              <a:r>
+                <a:rPr lang="en-US" altLang="ko-KR" sz="1400" dirty="0"/>
+                <a:t>.</a:t>
+              </a:r>
+              <a:endParaRPr lang="ko-KR" altLang="en-US" sz="1400" dirty="0"/>
+            </a:p>
+          </p:txBody>
+        </p:sp>
+        <p:sp>
+          <p:nvSpPr>
+            <p:cNvPr id="26" name="TextBox 25">
+              <a:extLst>
+                <a:ext uri="{FF2B5EF4-FFF2-40B4-BE49-F238E27FC236}">
+                  <a16:creationId xmlns:a16="http://schemas.microsoft.com/office/drawing/2014/main" id="{7350B46E-9EE3-52EA-8E6C-24A92821B71E}"/>
+                </a:ext>
+              </a:extLst>
+            </p:cNvPr>
+            <p:cNvSpPr txBox="1"/>
+            <p:nvPr/>
+          </p:nvSpPr>
+          <p:spPr>
+            <a:xfrm>
+              <a:off x="1051165" y="2489333"/>
+              <a:ext cx="5423203" cy="307777"/>
+            </a:xfrm>
+            <a:prstGeom prst="rect">
+              <a:avLst/>
+            </a:prstGeom>
+            <a:noFill/>
+          </p:spPr>
+          <p:txBody>
+            <a:bodyPr wrap="square" rtlCol="0">
+              <a:spAutoFit/>
+            </a:bodyPr>
+            <a:lstStyle/>
+            <a:p>
+              <a:r>
+                <a:rPr lang="en-US" altLang="ko-KR" sz="1400" b="1" dirty="0"/>
+                <a:t>5. </a:t>
+              </a:r>
+              <a:r>
+                <a:rPr lang="ko-KR" altLang="en-US" sz="1400" b="1" dirty="0"/>
+                <a:t>의존역전 원칙 </a:t>
+              </a:r>
+              <a:r>
+                <a:rPr lang="en-US" altLang="ko-KR" sz="1400" b="1" dirty="0"/>
+                <a:t>(DIP, Dependency Inversion Principle)</a:t>
+              </a:r>
+              <a:endParaRPr lang="ko-KR" altLang="en-US" sz="1400" b="1" dirty="0"/>
+            </a:p>
+          </p:txBody>
+        </p:sp>
+      </p:grpSp>
+    </p:spTree>
+    <p:extLst>
+      <p:ext uri="{BB962C8B-B14F-4D97-AF65-F5344CB8AC3E}">
+        <p14:creationId xmlns:p14="http://schemas.microsoft.com/office/powerpoint/2010/main" val="1094707346"/>
+      </p:ext>
+    </p:extLst>
+  </p:cSld>
+  <p:clrMapOvr>
+    <a:masterClrMapping/>
+  </p:clrMapOvr>
+</p:sld>
+</file>
+
+<file path=ppt/slides/slide8.xml><?xml version="1.0" encoding="utf-8"?>
+<p:sld xmlns:a="http://schemas.openxmlformats.org/drawingml/2006/main" xmlns:r="http://schemas.openxmlformats.org/officeDocument/2006/relationships" xmlns:p="http://schemas.openxmlformats.org/presentationml/2006/main">
+  <p:cSld>
+    <p:spTree>
+      <p:nvGrpSpPr>
+        <p:cNvPr id="1" name=""/>
+        <p:cNvGrpSpPr/>
+        <p:nvPr/>
+      </p:nvGrpSpPr>
+      <p:grpSpPr>
+        <a:xfrm>
+          <a:off x="0" y="0"/>
+          <a:ext cx="0" cy="0"/>
+          <a:chOff x="0" y="0"/>
+          <a:chExt cx="0" cy="0"/>
+        </a:xfrm>
+      </p:grpSpPr>
+      <p:sp>
+        <p:nvSpPr>
+          <p:cNvPr id="4" name="직사각형 3"/>
+          <p:cNvSpPr/>
+          <p:nvPr/>
+        </p:nvSpPr>
+        <p:spPr>
+          <a:xfrm>
+            <a:off x="0" y="0"/>
+            <a:ext cx="12192000" cy="6858000"/>
+          </a:xfrm>
+          <a:prstGeom prst="rect">
+            <a:avLst/>
+          </a:prstGeom>
+          <a:solidFill>
+            <a:srgbClr val="ED7D31"/>
+          </a:solidFill>
+          <a:ln>
+            <a:noFill/>
+          </a:ln>
+        </p:spPr>
+        <p:style>
+          <a:lnRef idx="0">
+            <a:scrgbClr r="0" g="0" b="0"/>
+          </a:lnRef>
+          <a:fillRef idx="0">
+            <a:scrgbClr r="0" g="0" b="0"/>
+          </a:fillRef>
+          <a:effectRef idx="0">
+            <a:scrgbClr r="0" g="0" b="0"/>
+          </a:effectRef>
+          <a:fontRef idx="minor">
+            <a:schemeClr val="lt1"/>
+          </a:fontRef>
+        </p:style>
+        <p:txBody>
+          <a:bodyPr rtlCol="0" anchor="ctr"/>
+          <a:lstStyle/>
+          <a:p>
+            <a:pPr algn="ctr"/>
+            <a:endParaRPr lang="ko-KR" altLang="en-US" dirty="0"/>
+          </a:p>
+        </p:txBody>
+      </p:sp>
+      <p:sp>
+        <p:nvSpPr>
+          <p:cNvPr id="5" name="직사각형 4"/>
+          <p:cNvSpPr/>
+          <p:nvPr/>
+        </p:nvSpPr>
+        <p:spPr>
+          <a:xfrm>
+            <a:off x="149629" y="158750"/>
+            <a:ext cx="11892742" cy="6540500"/>
+          </a:xfrm>
+          <a:prstGeom prst="rect">
+            <a:avLst/>
+          </a:prstGeom>
+          <a:ln>
+            <a:solidFill>
+              <a:schemeClr val="bg1"/>
+            </a:solidFill>
+          </a:ln>
+        </p:spPr>
+        <p:style>
+          <a:lnRef idx="2">
+            <a:schemeClr val="accent3"/>
+          </a:lnRef>
+          <a:fillRef idx="1">
+            <a:schemeClr val="lt1"/>
+          </a:fillRef>
+          <a:effectRef idx="0">
+            <a:schemeClr val="accent3"/>
+          </a:effectRef>
+          <a:fontRef idx="minor">
+            <a:schemeClr val="dk1"/>
+          </a:fontRef>
+        </p:style>
+        <p:txBody>
+          <a:bodyPr rtlCol="0" anchor="ctr"/>
+          <a:lstStyle/>
+          <a:p>
+            <a:pPr algn="ctr"/>
+            <a:endParaRPr lang="ko-KR" altLang="en-US" dirty="0"/>
+          </a:p>
+        </p:txBody>
+      </p:sp>
+      <p:grpSp>
+        <p:nvGrpSpPr>
+          <p:cNvPr id="14" name="그룹 13">
+            <a:extLst>
+              <a:ext uri="{FF2B5EF4-FFF2-40B4-BE49-F238E27FC236}">
+                <a16:creationId xmlns:a16="http://schemas.microsoft.com/office/drawing/2014/main" id="{61877460-20A8-3B6F-7977-0BD51F79DB44}"/>
+              </a:ext>
+            </a:extLst>
+          </p:cNvPr>
+          <p:cNvGrpSpPr/>
+          <p:nvPr/>
+        </p:nvGrpSpPr>
+        <p:grpSpPr>
+          <a:xfrm>
+            <a:off x="-485731" y="275023"/>
+            <a:ext cx="4248498" cy="1212536"/>
+            <a:chOff x="-485731" y="275023"/>
+            <a:chExt cx="4248498" cy="1212536"/>
+          </a:xfrm>
+        </p:grpSpPr>
+        <p:grpSp>
+          <p:nvGrpSpPr>
+            <p:cNvPr id="13" name="그룹 12">
+              <a:extLst>
+                <a:ext uri="{FF2B5EF4-FFF2-40B4-BE49-F238E27FC236}">
+                  <a16:creationId xmlns:a16="http://schemas.microsoft.com/office/drawing/2014/main" id="{9DF9047E-E396-0935-9A72-F1B0CFD7107C}"/>
+                </a:ext>
+              </a:extLst>
+            </p:cNvPr>
+            <p:cNvGrpSpPr/>
+            <p:nvPr/>
+          </p:nvGrpSpPr>
+          <p:grpSpPr>
+            <a:xfrm>
+              <a:off x="-485731" y="275023"/>
+              <a:ext cx="2451917" cy="1212536"/>
+              <a:chOff x="4783089" y="2609052"/>
+              <a:chExt cx="2451917" cy="1212536"/>
+            </a:xfrm>
+          </p:grpSpPr>
+          <p:sp>
+            <p:nvSpPr>
+              <p:cNvPr id="2" name="TextBox 1">
+                <a:extLst>
+                  <a:ext uri="{FF2B5EF4-FFF2-40B4-BE49-F238E27FC236}">
+                    <a16:creationId xmlns:a16="http://schemas.microsoft.com/office/drawing/2014/main" id="{232CA580-1715-7C1F-A40C-E7EB331ACC70}"/>
+                  </a:ext>
+                </a:extLst>
+              </p:cNvPr>
+              <p:cNvSpPr txBox="1"/>
+              <p:nvPr/>
+            </p:nvSpPr>
+            <p:spPr>
+              <a:xfrm>
+                <a:off x="5474263" y="2712309"/>
+                <a:ext cx="1069573" cy="523220"/>
+              </a:xfrm>
+              <a:prstGeom prst="rect">
+                <a:avLst/>
+              </a:prstGeom>
+              <a:noFill/>
+            </p:spPr>
+            <p:txBody>
+              <a:bodyPr wrap="square" rtlCol="0">
+                <a:spAutoFit/>
+              </a:bodyPr>
+              <a:lstStyle/>
+              <a:p>
+                <a:pPr algn="ctr"/>
+                <a:r>
+                  <a:rPr lang="en-US" altLang="ko-KR" sz="2800" dirty="0">
+                    <a:latin typeface="Monospac821 BT" panose="020B0609020202020204" pitchFamily="49" charset="0"/>
+                  </a:rPr>
                   <a:t>02</a:t>
                 </a:r>
                 <a:endParaRPr lang="ko-KR" altLang="en-US" sz="2800" dirty="0">
@@ -12658,7 +14295,7 @@
 </p:sld>
 </file>
 
-<file path=ppt/slides/slide8.xml><?xml version="1.0" encoding="utf-8"?>
+<file path=ppt/slides/slide9.xml><?xml version="1.0" encoding="utf-8"?>
 <p:sld xmlns:a="http://schemas.openxmlformats.org/drawingml/2006/main" xmlns:r="http://schemas.openxmlformats.org/officeDocument/2006/relationships" xmlns:p="http://schemas.openxmlformats.org/presentationml/2006/main">
   <p:cSld>
     <p:spTree>
@@ -13612,712 +15249,6 @@
     <p:extLst>
       <p:ext uri="{BB962C8B-B14F-4D97-AF65-F5344CB8AC3E}">
         <p14:creationId xmlns:p14="http://schemas.microsoft.com/office/powerpoint/2010/main" val="2280030736"/>
-      </p:ext>
-    </p:extLst>
-  </p:cSld>
-  <p:clrMapOvr>
-    <a:masterClrMapping/>
-  </p:clrMapOvr>
-</p:sld>
-</file>
-
-<file path=ppt/slides/slide9.xml><?xml version="1.0" encoding="utf-8"?>
-<p:sld xmlns:a="http://schemas.openxmlformats.org/drawingml/2006/main" xmlns:r="http://schemas.openxmlformats.org/officeDocument/2006/relationships" xmlns:p="http://schemas.openxmlformats.org/presentationml/2006/main">
-  <p:cSld>
-    <p:spTree>
-      <p:nvGrpSpPr>
-        <p:cNvPr id="1" name=""/>
-        <p:cNvGrpSpPr/>
-        <p:nvPr/>
-      </p:nvGrpSpPr>
-      <p:grpSpPr>
-        <a:xfrm>
-          <a:off x="0" y="0"/>
-          <a:ext cx="0" cy="0"/>
-          <a:chOff x="0" y="0"/>
-          <a:chExt cx="0" cy="0"/>
-        </a:xfrm>
-      </p:grpSpPr>
-      <p:sp>
-        <p:nvSpPr>
-          <p:cNvPr id="4" name="직사각형 3"/>
-          <p:cNvSpPr/>
-          <p:nvPr/>
-        </p:nvSpPr>
-        <p:spPr>
-          <a:xfrm>
-            <a:off x="0" y="0"/>
-            <a:ext cx="12192000" cy="6858000"/>
-          </a:xfrm>
-          <a:prstGeom prst="rect">
-            <a:avLst/>
-          </a:prstGeom>
-          <a:solidFill>
-            <a:srgbClr val="ED7D31"/>
-          </a:solidFill>
-          <a:ln>
-            <a:noFill/>
-          </a:ln>
-        </p:spPr>
-        <p:style>
-          <a:lnRef idx="0">
-            <a:scrgbClr r="0" g="0" b="0"/>
-          </a:lnRef>
-          <a:fillRef idx="0">
-            <a:scrgbClr r="0" g="0" b="0"/>
-          </a:fillRef>
-          <a:effectRef idx="0">
-            <a:scrgbClr r="0" g="0" b="0"/>
-          </a:effectRef>
-          <a:fontRef idx="minor">
-            <a:schemeClr val="lt1"/>
-          </a:fontRef>
-        </p:style>
-        <p:txBody>
-          <a:bodyPr rtlCol="0" anchor="ctr"/>
-          <a:lstStyle/>
-          <a:p>
-            <a:pPr algn="ctr"/>
-            <a:endParaRPr lang="ko-KR" altLang="en-US" dirty="0"/>
-          </a:p>
-        </p:txBody>
-      </p:sp>
-      <p:sp>
-        <p:nvSpPr>
-          <p:cNvPr id="5" name="직사각형 4"/>
-          <p:cNvSpPr/>
-          <p:nvPr/>
-        </p:nvSpPr>
-        <p:spPr>
-          <a:xfrm>
-            <a:off x="149629" y="158750"/>
-            <a:ext cx="11892742" cy="6540500"/>
-          </a:xfrm>
-          <a:prstGeom prst="rect">
-            <a:avLst/>
-          </a:prstGeom>
-          <a:ln>
-            <a:solidFill>
-              <a:schemeClr val="bg1"/>
-            </a:solidFill>
-          </a:ln>
-        </p:spPr>
-        <p:style>
-          <a:lnRef idx="2">
-            <a:schemeClr val="accent3"/>
-          </a:lnRef>
-          <a:fillRef idx="1">
-            <a:schemeClr val="lt1"/>
-          </a:fillRef>
-          <a:effectRef idx="0">
-            <a:schemeClr val="accent3"/>
-          </a:effectRef>
-          <a:fontRef idx="minor">
-            <a:schemeClr val="dk1"/>
-          </a:fontRef>
-        </p:style>
-        <p:txBody>
-          <a:bodyPr rtlCol="0" anchor="ctr"/>
-          <a:lstStyle/>
-          <a:p>
-            <a:pPr algn="ctr"/>
-            <a:endParaRPr lang="ko-KR" altLang="en-US" dirty="0"/>
-          </a:p>
-        </p:txBody>
-      </p:sp>
-      <p:grpSp>
-        <p:nvGrpSpPr>
-          <p:cNvPr id="14" name="그룹 13">
-            <a:extLst>
-              <a:ext uri="{FF2B5EF4-FFF2-40B4-BE49-F238E27FC236}">
-                <a16:creationId xmlns:a16="http://schemas.microsoft.com/office/drawing/2014/main" id="{61877460-20A8-3B6F-7977-0BD51F79DB44}"/>
-              </a:ext>
-            </a:extLst>
-          </p:cNvPr>
-          <p:cNvGrpSpPr/>
-          <p:nvPr/>
-        </p:nvGrpSpPr>
-        <p:grpSpPr>
-          <a:xfrm>
-            <a:off x="-485731" y="275023"/>
-            <a:ext cx="3778401" cy="1212536"/>
-            <a:chOff x="-485731" y="275023"/>
-            <a:chExt cx="3778401" cy="1212536"/>
-          </a:xfrm>
-        </p:grpSpPr>
-        <p:grpSp>
-          <p:nvGrpSpPr>
-            <p:cNvPr id="13" name="그룹 12">
-              <a:extLst>
-                <a:ext uri="{FF2B5EF4-FFF2-40B4-BE49-F238E27FC236}">
-                  <a16:creationId xmlns:a16="http://schemas.microsoft.com/office/drawing/2014/main" id="{9DF9047E-E396-0935-9A72-F1B0CFD7107C}"/>
-                </a:ext>
-              </a:extLst>
-            </p:cNvPr>
-            <p:cNvGrpSpPr/>
-            <p:nvPr/>
-          </p:nvGrpSpPr>
-          <p:grpSpPr>
-            <a:xfrm>
-              <a:off x="-485731" y="275023"/>
-              <a:ext cx="2451917" cy="1212536"/>
-              <a:chOff x="4783089" y="2609052"/>
-              <a:chExt cx="2451917" cy="1212536"/>
-            </a:xfrm>
-          </p:grpSpPr>
-          <p:sp>
-            <p:nvSpPr>
-              <p:cNvPr id="2" name="TextBox 1">
-                <a:extLst>
-                  <a:ext uri="{FF2B5EF4-FFF2-40B4-BE49-F238E27FC236}">
-                    <a16:creationId xmlns:a16="http://schemas.microsoft.com/office/drawing/2014/main" id="{232CA580-1715-7C1F-A40C-E7EB331ACC70}"/>
-                  </a:ext>
-                </a:extLst>
-              </p:cNvPr>
-              <p:cNvSpPr txBox="1"/>
-              <p:nvPr/>
-            </p:nvSpPr>
-            <p:spPr>
-              <a:xfrm>
-                <a:off x="5474263" y="2712309"/>
-                <a:ext cx="1069573" cy="523220"/>
-              </a:xfrm>
-              <a:prstGeom prst="rect">
-                <a:avLst/>
-              </a:prstGeom>
-              <a:noFill/>
-            </p:spPr>
-            <p:txBody>
-              <a:bodyPr wrap="square" rtlCol="0">
-                <a:spAutoFit/>
-              </a:bodyPr>
-              <a:lstStyle/>
-              <a:p>
-                <a:pPr algn="ctr"/>
-                <a:r>
-                  <a:rPr lang="en-US" altLang="ko-KR" sz="2800" dirty="0">
-                    <a:latin typeface="Monospac821 BT" panose="020B0609020202020204" pitchFamily="49" charset="0"/>
-                  </a:rPr>
-                  <a:t>04</a:t>
-                </a:r>
-                <a:endParaRPr lang="ko-KR" altLang="en-US" sz="2800" dirty="0">
-                  <a:latin typeface="Monospac821 BT" panose="020B0609020202020204" pitchFamily="49" charset="0"/>
-                </a:endParaRPr>
-              </a:p>
-            </p:txBody>
-          </p:sp>
-          <p:sp>
-            <p:nvSpPr>
-              <p:cNvPr id="9" name="직사각형 8">
-                <a:extLst>
-                  <a:ext uri="{FF2B5EF4-FFF2-40B4-BE49-F238E27FC236}">
-                    <a16:creationId xmlns:a16="http://schemas.microsoft.com/office/drawing/2014/main" id="{3CAC909A-96A8-2E03-F966-4871839B827C}"/>
-                  </a:ext>
-                </a:extLst>
-              </p:cNvPr>
-              <p:cNvSpPr/>
-              <p:nvPr/>
-            </p:nvSpPr>
-            <p:spPr>
-              <a:xfrm>
-                <a:off x="5639477" y="2609052"/>
-                <a:ext cx="739142" cy="90788"/>
-              </a:xfrm>
-              <a:prstGeom prst="rect">
-                <a:avLst/>
-              </a:prstGeom>
-              <a:ln>
-                <a:solidFill>
-                  <a:srgbClr val="ED7D31"/>
-                </a:solidFill>
-              </a:ln>
-            </p:spPr>
-            <p:style>
-              <a:lnRef idx="2">
-                <a:schemeClr val="accent2">
-                  <a:shade val="50000"/>
-                </a:schemeClr>
-              </a:lnRef>
-              <a:fillRef idx="1">
-                <a:schemeClr val="accent2"/>
-              </a:fillRef>
-              <a:effectRef idx="0">
-                <a:schemeClr val="accent2"/>
-              </a:effectRef>
-              <a:fontRef idx="minor">
-                <a:schemeClr val="lt1"/>
-              </a:fontRef>
-            </p:style>
-            <p:txBody>
-              <a:bodyPr rtlCol="0" anchor="ctr"/>
-              <a:lstStyle/>
-              <a:p>
-                <a:pPr algn="ctr"/>
-                <a:endParaRPr lang="ko-KR" altLang="en-US"/>
-              </a:p>
-            </p:txBody>
-          </p:sp>
-          <p:sp>
-            <p:nvSpPr>
-              <p:cNvPr id="10" name="TextBox 9">
-                <a:extLst>
-                  <a:ext uri="{FF2B5EF4-FFF2-40B4-BE49-F238E27FC236}">
-                    <a16:creationId xmlns:a16="http://schemas.microsoft.com/office/drawing/2014/main" id="{9EA883A0-AB29-04E6-FD8A-1AD54C697935}"/>
-                  </a:ext>
-                </a:extLst>
-              </p:cNvPr>
-              <p:cNvSpPr txBox="1"/>
-              <p:nvPr/>
-            </p:nvSpPr>
-            <p:spPr>
-              <a:xfrm>
-                <a:off x="4783089" y="3483034"/>
-                <a:ext cx="2451917" cy="338554"/>
-              </a:xfrm>
-              <a:prstGeom prst="rect">
-                <a:avLst/>
-              </a:prstGeom>
-              <a:noFill/>
-            </p:spPr>
-            <p:txBody>
-              <a:bodyPr wrap="square" rtlCol="0">
-                <a:spAutoFit/>
-              </a:bodyPr>
-              <a:lstStyle/>
-              <a:p>
-                <a:pPr algn="ctr"/>
-                <a:endParaRPr lang="ko-KR" altLang="en-US" sz="1600" dirty="0">
-                  <a:latin typeface="휴먼둥근헤드라인" panose="02030504000101010101" pitchFamily="18" charset="-127"/>
-                  <a:ea typeface="휴먼둥근헤드라인" panose="02030504000101010101" pitchFamily="18" charset="-127"/>
-                </a:endParaRPr>
-              </a:p>
-            </p:txBody>
-          </p:sp>
-        </p:grpSp>
-        <p:sp>
-          <p:nvSpPr>
-            <p:cNvPr id="3" name="TextBox 2">
-              <a:extLst>
-                <a:ext uri="{FF2B5EF4-FFF2-40B4-BE49-F238E27FC236}">
-                  <a16:creationId xmlns:a16="http://schemas.microsoft.com/office/drawing/2014/main" id="{71A9A1B7-E3DA-44D0-82AC-C0E58A9C2760}"/>
-                </a:ext>
-              </a:extLst>
-            </p:cNvPr>
-            <p:cNvSpPr txBox="1"/>
-            <p:nvPr/>
-          </p:nvSpPr>
-          <p:spPr>
-            <a:xfrm>
-              <a:off x="639702" y="482084"/>
-              <a:ext cx="2652968" cy="338554"/>
-            </a:xfrm>
-            <a:prstGeom prst="rect">
-              <a:avLst/>
-            </a:prstGeom>
-            <a:noFill/>
-          </p:spPr>
-          <p:txBody>
-            <a:bodyPr wrap="square" rtlCol="0">
-              <a:spAutoFit/>
-            </a:bodyPr>
-            <a:lstStyle/>
-            <a:p>
-              <a:pPr algn="ctr"/>
-              <a:r>
-                <a:rPr lang="en-US" altLang="ko-KR" sz="1600" dirty="0">
-                  <a:latin typeface="휴먼둥근헤드라인" panose="02030504000101010101" pitchFamily="18" charset="-127"/>
-                  <a:ea typeface="휴먼둥근헤드라인" panose="02030504000101010101" pitchFamily="18" charset="-127"/>
-                </a:rPr>
-                <a:t>Abstraction</a:t>
-              </a:r>
-              <a:endParaRPr lang="ko-KR" altLang="en-US" sz="1600" dirty="0">
-                <a:latin typeface="휴먼둥근헤드라인" panose="02030504000101010101" pitchFamily="18" charset="-127"/>
-                <a:ea typeface="휴먼둥근헤드라인" panose="02030504000101010101" pitchFamily="18" charset="-127"/>
-              </a:endParaRPr>
-            </a:p>
-          </p:txBody>
-        </p:sp>
-      </p:grpSp>
-      <p:grpSp>
-        <p:nvGrpSpPr>
-          <p:cNvPr id="16" name="그룹 15">
-            <a:extLst>
-              <a:ext uri="{FF2B5EF4-FFF2-40B4-BE49-F238E27FC236}">
-                <a16:creationId xmlns:a16="http://schemas.microsoft.com/office/drawing/2014/main" id="{6F23DE32-A4EA-F9B6-72CB-C90520FD20CA}"/>
-              </a:ext>
-            </a:extLst>
-          </p:cNvPr>
-          <p:cNvGrpSpPr/>
-          <p:nvPr/>
-        </p:nvGrpSpPr>
-        <p:grpSpPr>
-          <a:xfrm>
-            <a:off x="539501" y="3592836"/>
-            <a:ext cx="11010625" cy="1010835"/>
-            <a:chOff x="1217628" y="-1264499"/>
-            <a:chExt cx="11010625" cy="1010835"/>
-          </a:xfrm>
-        </p:grpSpPr>
-        <p:sp>
-          <p:nvSpPr>
-            <p:cNvPr id="7" name="TextBox 6">
-              <a:extLst>
-                <a:ext uri="{FF2B5EF4-FFF2-40B4-BE49-F238E27FC236}">
-                  <a16:creationId xmlns:a16="http://schemas.microsoft.com/office/drawing/2014/main" id="{76766B5D-B409-2116-662B-D3747C3F39BB}"/>
-                </a:ext>
-              </a:extLst>
-            </p:cNvPr>
-            <p:cNvSpPr txBox="1"/>
-            <p:nvPr/>
-          </p:nvSpPr>
-          <p:spPr>
-            <a:xfrm>
-              <a:off x="1217628" y="-1264499"/>
-              <a:ext cx="5506337" cy="338554"/>
-            </a:xfrm>
-            <a:prstGeom prst="rect">
-              <a:avLst/>
-            </a:prstGeom>
-            <a:noFill/>
-          </p:spPr>
-          <p:txBody>
-            <a:bodyPr wrap="square" rtlCol="0">
-              <a:spAutoFit/>
-            </a:bodyPr>
-            <a:lstStyle/>
-            <a:p>
-              <a:r>
-                <a:rPr lang="en-US" altLang="ko-KR" sz="1600" b="1" dirty="0"/>
-                <a:t> Abstraction (</a:t>
-              </a:r>
-              <a:r>
-                <a:rPr lang="ko-KR" altLang="en-US" sz="1600" b="1" dirty="0"/>
-                <a:t>추상화</a:t>
-              </a:r>
-              <a:r>
-                <a:rPr lang="en-US" altLang="ko-KR" sz="1600" b="1" dirty="0"/>
-                <a:t>)</a:t>
-              </a:r>
-              <a:endParaRPr lang="ko-KR" altLang="en-US" sz="1600" b="1" dirty="0"/>
-            </a:p>
-          </p:txBody>
-        </p:sp>
-        <p:sp>
-          <p:nvSpPr>
-            <p:cNvPr id="6" name="TextBox 5">
-              <a:extLst>
-                <a:ext uri="{FF2B5EF4-FFF2-40B4-BE49-F238E27FC236}">
-                  <a16:creationId xmlns:a16="http://schemas.microsoft.com/office/drawing/2014/main" id="{DF83F7BB-A035-EFF8-6ED2-273CBD72FE16}"/>
-                </a:ext>
-              </a:extLst>
-            </p:cNvPr>
-            <p:cNvSpPr txBox="1"/>
-            <p:nvPr/>
-          </p:nvSpPr>
-          <p:spPr>
-            <a:xfrm>
-              <a:off x="1605920" y="-899995"/>
-              <a:ext cx="10622333" cy="646331"/>
-            </a:xfrm>
-            <a:prstGeom prst="rect">
-              <a:avLst/>
-            </a:prstGeom>
-            <a:noFill/>
-          </p:spPr>
-          <p:txBody>
-            <a:bodyPr wrap="square" rtlCol="0">
-              <a:spAutoFit/>
-            </a:bodyPr>
-            <a:lstStyle/>
-            <a:p>
-              <a:r>
-                <a:rPr lang="ko-KR" altLang="en-US" dirty="0"/>
-                <a:t>핵심적인 특징이나 기능을 추출하는 과정으로 복잡한 실제세계의 문제를 </a:t>
-              </a:r>
-              <a:r>
-                <a:rPr lang="ko-KR" altLang="en-US" dirty="0" err="1"/>
-                <a:t>객체화하여</a:t>
-              </a:r>
-              <a:r>
-                <a:rPr lang="ko-KR" altLang="en-US" dirty="0"/>
-                <a:t> 공통적인 속성과 기능을 추출하여 정의하는 것을 의미한다</a:t>
-              </a:r>
-              <a:r>
-                <a:rPr lang="en-US" altLang="ko-KR" dirty="0"/>
-                <a:t>.</a:t>
-              </a:r>
-              <a:endParaRPr lang="ko-KR" altLang="en-US" dirty="0"/>
-            </a:p>
-          </p:txBody>
-        </p:sp>
-      </p:grpSp>
-      <p:grpSp>
-        <p:nvGrpSpPr>
-          <p:cNvPr id="12" name="그룹 11">
-            <a:extLst>
-              <a:ext uri="{FF2B5EF4-FFF2-40B4-BE49-F238E27FC236}">
-                <a16:creationId xmlns:a16="http://schemas.microsoft.com/office/drawing/2014/main" id="{78BB7658-0DFD-9A1D-CC16-1F4ABDA61656}"/>
-              </a:ext>
-            </a:extLst>
-          </p:cNvPr>
-          <p:cNvGrpSpPr/>
-          <p:nvPr/>
-        </p:nvGrpSpPr>
-        <p:grpSpPr>
-          <a:xfrm>
-            <a:off x="1109799" y="4695632"/>
-            <a:ext cx="10440327" cy="956910"/>
-            <a:chOff x="1407515" y="254957"/>
-            <a:chExt cx="10440327" cy="956910"/>
-          </a:xfrm>
-        </p:grpSpPr>
-        <p:sp>
-          <p:nvSpPr>
-            <p:cNvPr id="8" name="TextBox 7">
-              <a:extLst>
-                <a:ext uri="{FF2B5EF4-FFF2-40B4-BE49-F238E27FC236}">
-                  <a16:creationId xmlns:a16="http://schemas.microsoft.com/office/drawing/2014/main" id="{4F6FB5C8-E640-553A-DFCF-B0DAB34D60E1}"/>
-                </a:ext>
-              </a:extLst>
-            </p:cNvPr>
-            <p:cNvSpPr txBox="1"/>
-            <p:nvPr/>
-          </p:nvSpPr>
-          <p:spPr>
-            <a:xfrm>
-              <a:off x="1407515" y="254957"/>
-              <a:ext cx="5506337" cy="338554"/>
-            </a:xfrm>
-            <a:prstGeom prst="rect">
-              <a:avLst/>
-            </a:prstGeom>
-            <a:noFill/>
-          </p:spPr>
-          <p:txBody>
-            <a:bodyPr wrap="square" rtlCol="0">
-              <a:spAutoFit/>
-            </a:bodyPr>
-            <a:lstStyle/>
-            <a:p>
-              <a:r>
-                <a:rPr lang="en-US" altLang="ko-KR" sz="1600" b="1" dirty="0"/>
-                <a:t>1. </a:t>
-              </a:r>
-              <a:r>
-                <a:rPr lang="ko-KR" altLang="en-US" sz="1600" b="1" dirty="0"/>
-                <a:t>제어 추상화</a:t>
-              </a:r>
-            </a:p>
-          </p:txBody>
-        </p:sp>
-        <p:sp>
-          <p:nvSpPr>
-            <p:cNvPr id="11" name="TextBox 10">
-              <a:extLst>
-                <a:ext uri="{FF2B5EF4-FFF2-40B4-BE49-F238E27FC236}">
-                  <a16:creationId xmlns:a16="http://schemas.microsoft.com/office/drawing/2014/main" id="{16C9044C-A6BD-4962-F2BD-54966C431019}"/>
-                </a:ext>
-              </a:extLst>
-            </p:cNvPr>
-            <p:cNvSpPr txBox="1"/>
-            <p:nvPr/>
-          </p:nvSpPr>
-          <p:spPr>
-            <a:xfrm>
-              <a:off x="1511429" y="565536"/>
-              <a:ext cx="10336413" cy="646331"/>
-            </a:xfrm>
-            <a:prstGeom prst="rect">
-              <a:avLst/>
-            </a:prstGeom>
-            <a:noFill/>
-          </p:spPr>
-          <p:txBody>
-            <a:bodyPr wrap="square" rtlCol="0">
-              <a:spAutoFit/>
-            </a:bodyPr>
-            <a:lstStyle/>
-            <a:p>
-              <a:r>
-                <a:rPr lang="ko-KR" altLang="en-US" dirty="0"/>
-                <a:t>메소드의 작동방식과 같은 내부 로직을 숨겨 복잡한 제어 흐름을 단순화하고 사용자로 하여금 간단한 방식으로 특정 동작을 수행할 수 있게 하는 것이다</a:t>
-              </a:r>
-              <a:r>
-                <a:rPr lang="en-US" altLang="ko-KR" dirty="0"/>
-                <a:t>.</a:t>
-              </a:r>
-              <a:endParaRPr lang="ko-KR" altLang="en-US" dirty="0"/>
-            </a:p>
-          </p:txBody>
-        </p:sp>
-      </p:grpSp>
-      <p:grpSp>
-        <p:nvGrpSpPr>
-          <p:cNvPr id="15" name="그룹 14">
-            <a:extLst>
-              <a:ext uri="{FF2B5EF4-FFF2-40B4-BE49-F238E27FC236}">
-                <a16:creationId xmlns:a16="http://schemas.microsoft.com/office/drawing/2014/main" id="{E56BBD44-F4D5-43D9-522A-45E7BC63C203}"/>
-              </a:ext>
-            </a:extLst>
-          </p:cNvPr>
-          <p:cNvGrpSpPr/>
-          <p:nvPr/>
-        </p:nvGrpSpPr>
-        <p:grpSpPr>
-          <a:xfrm>
-            <a:off x="1116374" y="5789113"/>
-            <a:ext cx="10440327" cy="679911"/>
-            <a:chOff x="1407515" y="254957"/>
-            <a:chExt cx="10440327" cy="679911"/>
-          </a:xfrm>
-        </p:grpSpPr>
-        <p:sp>
-          <p:nvSpPr>
-            <p:cNvPr id="17" name="TextBox 16">
-              <a:extLst>
-                <a:ext uri="{FF2B5EF4-FFF2-40B4-BE49-F238E27FC236}">
-                  <a16:creationId xmlns:a16="http://schemas.microsoft.com/office/drawing/2014/main" id="{0C31E12F-B5AC-DC7E-7868-C5BD5850333B}"/>
-                </a:ext>
-              </a:extLst>
-            </p:cNvPr>
-            <p:cNvSpPr txBox="1"/>
-            <p:nvPr/>
-          </p:nvSpPr>
-          <p:spPr>
-            <a:xfrm>
-              <a:off x="1407515" y="254957"/>
-              <a:ext cx="5506337" cy="338554"/>
-            </a:xfrm>
-            <a:prstGeom prst="rect">
-              <a:avLst/>
-            </a:prstGeom>
-            <a:noFill/>
-          </p:spPr>
-          <p:txBody>
-            <a:bodyPr wrap="square" rtlCol="0">
-              <a:spAutoFit/>
-            </a:bodyPr>
-            <a:lstStyle/>
-            <a:p>
-              <a:r>
-                <a:rPr lang="en-US" altLang="ko-KR" sz="1600" b="1" dirty="0"/>
-                <a:t>2. </a:t>
-              </a:r>
-              <a:r>
-                <a:rPr lang="ko-KR" altLang="en-US" sz="1600" b="1" dirty="0"/>
-                <a:t>데이터 추상화</a:t>
-              </a:r>
-            </a:p>
-          </p:txBody>
-        </p:sp>
-        <p:sp>
-          <p:nvSpPr>
-            <p:cNvPr id="18" name="TextBox 17">
-              <a:extLst>
-                <a:ext uri="{FF2B5EF4-FFF2-40B4-BE49-F238E27FC236}">
-                  <a16:creationId xmlns:a16="http://schemas.microsoft.com/office/drawing/2014/main" id="{3590BF0E-5E30-D2D1-9E83-BA6650EEA0F6}"/>
-                </a:ext>
-              </a:extLst>
-            </p:cNvPr>
-            <p:cNvSpPr txBox="1"/>
-            <p:nvPr/>
-          </p:nvSpPr>
-          <p:spPr>
-            <a:xfrm>
-              <a:off x="1511429" y="565536"/>
-              <a:ext cx="10336413" cy="369332"/>
-            </a:xfrm>
-            <a:prstGeom prst="rect">
-              <a:avLst/>
-            </a:prstGeom>
-            <a:noFill/>
-          </p:spPr>
-          <p:txBody>
-            <a:bodyPr wrap="square" rtlCol="0">
-              <a:spAutoFit/>
-            </a:bodyPr>
-            <a:lstStyle/>
-            <a:p>
-              <a:r>
-                <a:rPr lang="ko-KR" altLang="en-US" dirty="0"/>
-                <a:t>복잡한 데이터나 객체의 특성 중 일부만 강조하여 대상을 간단한 개념으로 일반화하는 과정이다</a:t>
-              </a:r>
-              <a:r>
-                <a:rPr lang="en-US" altLang="ko-KR" dirty="0"/>
-                <a:t>.</a:t>
-              </a:r>
-              <a:r>
-                <a:rPr lang="ko-KR" altLang="en-US" dirty="0"/>
-                <a:t> </a:t>
-              </a:r>
-            </a:p>
-          </p:txBody>
-        </p:sp>
-      </p:grpSp>
-      <p:pic>
-        <p:nvPicPr>
-          <p:cNvPr id="20" name="그림 19">
-            <a:extLst>
-              <a:ext uri="{FF2B5EF4-FFF2-40B4-BE49-F238E27FC236}">
-                <a16:creationId xmlns:a16="http://schemas.microsoft.com/office/drawing/2014/main" id="{B274288A-4876-1366-A1A7-3606A7FF6D88}"/>
-              </a:ext>
-            </a:extLst>
-          </p:cNvPr>
-          <p:cNvPicPr>
-            <a:picLocks noChangeAspect="1"/>
-          </p:cNvPicPr>
-          <p:nvPr/>
-        </p:nvPicPr>
-        <p:blipFill>
-          <a:blip r:embed="rId2"/>
-          <a:stretch>
-            <a:fillRect/>
-          </a:stretch>
-        </p:blipFill>
-        <p:spPr>
-          <a:xfrm>
-            <a:off x="1188707" y="1050882"/>
-            <a:ext cx="4621650" cy="2399180"/>
-          </a:xfrm>
-          <a:prstGeom prst="rect">
-            <a:avLst/>
-          </a:prstGeom>
-        </p:spPr>
-      </p:pic>
-      <p:pic>
-        <p:nvPicPr>
-          <p:cNvPr id="29" name="그림 28">
-            <a:extLst>
-              <a:ext uri="{FF2B5EF4-FFF2-40B4-BE49-F238E27FC236}">
-                <a16:creationId xmlns:a16="http://schemas.microsoft.com/office/drawing/2014/main" id="{A6C91BD8-16B0-F115-9D1C-83C17E054659}"/>
-              </a:ext>
-            </a:extLst>
-          </p:cNvPr>
-          <p:cNvPicPr>
-            <a:picLocks noChangeAspect="1"/>
-          </p:cNvPicPr>
-          <p:nvPr/>
-        </p:nvPicPr>
-        <p:blipFill>
-          <a:blip r:embed="rId3"/>
-          <a:stretch>
-            <a:fillRect/>
-          </a:stretch>
-        </p:blipFill>
-        <p:spPr>
-          <a:xfrm>
-            <a:off x="6045838" y="1006153"/>
-            <a:ext cx="5560635" cy="2555373"/>
-          </a:xfrm>
-          <a:prstGeom prst="rect">
-            <a:avLst/>
-          </a:prstGeom>
-        </p:spPr>
-      </p:pic>
-    </p:spTree>
-    <p:extLst>
-      <p:ext uri="{BB962C8B-B14F-4D97-AF65-F5344CB8AC3E}">
-        <p14:creationId xmlns:p14="http://schemas.microsoft.com/office/powerpoint/2010/main" val="804898524"/>
       </p:ext>
     </p:extLst>
   </p:cSld>
